--- a/creditcaedanalysisppt.pptx
+++ b/creditcaedanalysisppt.pptx
@@ -8,9 +8,10 @@
     <p:sldId id="256" r:id="rId2"/>
     <p:sldId id="257" r:id="rId3"/>
     <p:sldId id="258" r:id="rId4"/>
-    <p:sldId id="259" r:id="rId5"/>
-    <p:sldId id="260" r:id="rId6"/>
-    <p:sldId id="261" r:id="rId7"/>
+    <p:sldId id="262" r:id="rId5"/>
+    <p:sldId id="259" r:id="rId6"/>
+    <p:sldId id="260" r:id="rId7"/>
+    <p:sldId id="261" r:id="rId8"/>
   </p:sldIdLst>
   <p:sldSz cx="12192000" cy="6858000"/>
   <p:notesSz cx="6858000" cy="9144000"/>
@@ -4078,7 +4079,7 @@
           <p:cNvPr id="2" name="Title 1">
             <a:extLst>
               <a:ext uri="{FF2B5EF4-FFF2-40B4-BE49-F238E27FC236}">
-                <a16:creationId xmlns:a16="http://schemas.microsoft.com/office/drawing/2014/main" id="{2A400BA5-15CA-3E0E-17FF-C07E71D89A45}"/>
+                <a16:creationId xmlns:a16="http://schemas.microsoft.com/office/drawing/2014/main" id="{10DEC3B4-6ACE-675B-7DD3-EAD0FC08D830}"/>
               </a:ext>
             </a:extLst>
           </p:cNvPr>
@@ -4089,27 +4090,28 @@
             <p:ph type="title"/>
           </p:nvPr>
         </p:nvSpPr>
-        <p:spPr/>
+        <p:spPr>
+          <a:xfrm>
+            <a:off x="612648" y="439782"/>
+            <a:ext cx="10653578" cy="1132258"/>
+          </a:xfrm>
+        </p:spPr>
         <p:txBody>
           <a:bodyPr>
-            <a:normAutofit fontScale="90000"/>
+            <a:normAutofit/>
           </a:bodyPr>
           <a:lstStyle/>
           <a:p>
             <a:r>
               <a:rPr lang="en-US" sz="4000" dirty="0">
                 <a:solidFill>
-                  <a:schemeClr val="accent3"/>
+                  <a:srgbClr val="FF0000"/>
                 </a:solidFill>
                 <a:latin typeface="Times New Roman" panose="02020603050405020304" pitchFamily="18" charset="0"/>
                 <a:cs typeface="Times New Roman" panose="02020603050405020304" pitchFamily="18" charset="0"/>
               </a:rPr>
-              <a:t>DAX Queries</a:t>
-            </a:r>
-            <a:br>
-              <a:rPr lang="en-US" dirty="0"/>
-            </a:br>
-            <a:endParaRPr lang="en-US" dirty="0"/>
+              <a:t>Import data to SQL database</a:t>
+            </a:r>
           </a:p>
         </p:txBody>
       </p:sp>
@@ -4118,7 +4120,7 @@
           <p:cNvPr id="3" name="Content Placeholder 2">
             <a:extLst>
               <a:ext uri="{FF2B5EF4-FFF2-40B4-BE49-F238E27FC236}">
-                <a16:creationId xmlns:a16="http://schemas.microsoft.com/office/drawing/2014/main" id="{80D878B0-6F1B-6CF2-2C91-77A262EFF0C4}"/>
+                <a16:creationId xmlns:a16="http://schemas.microsoft.com/office/drawing/2014/main" id="{B23F1EC8-B134-D167-4DA9-59E24B6B08EE}"/>
               </a:ext>
             </a:extLst>
           </p:cNvPr>
@@ -4129,497 +4131,91 @@
             <p:ph idx="1"/>
           </p:nvPr>
         </p:nvSpPr>
+        <p:spPr/>
+        <p:txBody>
+          <a:bodyPr>
+            <a:normAutofit/>
+          </a:bodyPr>
+          <a:lstStyle/>
+          <a:p>
+            <a:pPr marL="457200" indent="-457200">
+              <a:buFont typeface="+mj-lt"/>
+              <a:buAutoNum type="arabicPeriod"/>
+            </a:pPr>
+            <a:r>
+              <a:rPr lang="en-GB" sz="2800" dirty="0">
+                <a:latin typeface="Times New Roman" panose="02020603050405020304" pitchFamily="18" charset="0"/>
+                <a:cs typeface="Times New Roman" panose="02020603050405020304" pitchFamily="18" charset="0"/>
+              </a:rPr>
+              <a:t>Prepare csv file </a:t>
+            </a:r>
+          </a:p>
+          <a:p>
+            <a:pPr marL="457200" indent="-457200">
+              <a:buFont typeface="+mj-lt"/>
+              <a:buAutoNum type="arabicPeriod"/>
+            </a:pPr>
+            <a:r>
+              <a:rPr lang="en-GB" sz="2800" dirty="0">
+                <a:latin typeface="Times New Roman" panose="02020603050405020304" pitchFamily="18" charset="0"/>
+                <a:cs typeface="Times New Roman" panose="02020603050405020304" pitchFamily="18" charset="0"/>
+              </a:rPr>
+              <a:t>Create tables in SQL</a:t>
+            </a:r>
+          </a:p>
+          <a:p>
+            <a:pPr marL="457200" indent="-457200">
+              <a:buFont typeface="+mj-lt"/>
+              <a:buAutoNum type="arabicPeriod"/>
+            </a:pPr>
+            <a:r>
+              <a:rPr lang="en-GB" sz="2800" dirty="0">
+                <a:latin typeface="Times New Roman" panose="02020603050405020304" pitchFamily="18" charset="0"/>
+                <a:cs typeface="Times New Roman" panose="02020603050405020304" pitchFamily="18" charset="0"/>
+              </a:rPr>
+              <a:t>import csv file into SQL</a:t>
+            </a:r>
+            <a:endParaRPr lang="en-US" sz="2800" dirty="0">
+              <a:latin typeface="Times New Roman" panose="02020603050405020304" pitchFamily="18" charset="0"/>
+              <a:cs typeface="Times New Roman" panose="02020603050405020304" pitchFamily="18" charset="0"/>
+            </a:endParaRPr>
+          </a:p>
+        </p:txBody>
+      </p:sp>
+      <p:pic>
+        <p:nvPicPr>
+          <p:cNvPr id="4" name="Picture 3">
+            <a:extLst>
+              <a:ext uri="{FF2B5EF4-FFF2-40B4-BE49-F238E27FC236}">
+                <a16:creationId xmlns:a16="http://schemas.microsoft.com/office/drawing/2014/main" id="{1214E218-80F1-F971-3DF1-1E4DA09601FD}"/>
+              </a:ext>
+            </a:extLst>
+          </p:cNvPr>
+          <p:cNvPicPr>
+            <a:picLocks noChangeAspect="1"/>
+          </p:cNvPicPr>
+          <p:nvPr/>
+        </p:nvPicPr>
+        <p:blipFill>
+          <a:blip r:embed="rId2"/>
+          <a:stretch>
+            <a:fillRect/>
+          </a:stretch>
+        </p:blipFill>
         <p:spPr>
           <a:xfrm>
-            <a:off x="517723" y="1269217"/>
-            <a:ext cx="10653579" cy="5294869"/>
+            <a:off x="7304314" y="1715533"/>
+            <a:ext cx="3961912" cy="3879724"/>
           </a:xfrm>
-          <a:solidFill>
-            <a:schemeClr val="bg1">
-              <a:lumMod val="95000"/>
-            </a:schemeClr>
-          </a:solidFill>
+          <a:prstGeom prst="rect">
+            <a:avLst/>
+          </a:prstGeom>
         </p:spPr>
-        <p:txBody>
-          <a:bodyPr>
-            <a:noAutofit/>
-          </a:bodyPr>
-          <a:lstStyle/>
-          <a:p>
-            <a:pPr marL="0" indent="0">
-              <a:buNone/>
-            </a:pPr>
-            <a:r>
-              <a:rPr lang="en-US" sz="1400" b="1" dirty="0" err="1">
-                <a:latin typeface="Times New Roman" panose="02020603050405020304" pitchFamily="18" charset="0"/>
-                <a:cs typeface="Times New Roman" panose="02020603050405020304" pitchFamily="18" charset="0"/>
-              </a:rPr>
-              <a:t>AgeGroup</a:t>
-            </a:r>
-            <a:r>
-              <a:rPr lang="en-US" sz="1400" b="1" dirty="0">
-                <a:latin typeface="Times New Roman" panose="02020603050405020304" pitchFamily="18" charset="0"/>
-                <a:cs typeface="Times New Roman" panose="02020603050405020304" pitchFamily="18" charset="0"/>
-              </a:rPr>
-              <a:t> = SWITCH(</a:t>
-            </a:r>
-          </a:p>
-          <a:p>
-            <a:pPr marL="0" indent="0">
-              <a:buNone/>
-            </a:pPr>
-            <a:r>
-              <a:rPr lang="en-US" sz="1400" b="1" dirty="0">
-                <a:latin typeface="Times New Roman" panose="02020603050405020304" pitchFamily="18" charset="0"/>
-                <a:cs typeface="Times New Roman" panose="02020603050405020304" pitchFamily="18" charset="0"/>
-              </a:rPr>
-              <a:t> TRUE(),</a:t>
-            </a:r>
-          </a:p>
-          <a:p>
-            <a:pPr marL="0" indent="0">
-              <a:buNone/>
-            </a:pPr>
-            <a:r>
-              <a:rPr lang="en-US" sz="1400" b="1" dirty="0">
-                <a:latin typeface="Times New Roman" panose="02020603050405020304" pitchFamily="18" charset="0"/>
-                <a:cs typeface="Times New Roman" panose="02020603050405020304" pitchFamily="18" charset="0"/>
-              </a:rPr>
-              <a:t> 'public </a:t>
-            </a:r>
-            <a:r>
-              <a:rPr lang="en-US" sz="1400" b="1" dirty="0" err="1">
-                <a:latin typeface="Times New Roman" panose="02020603050405020304" pitchFamily="18" charset="0"/>
-                <a:cs typeface="Times New Roman" panose="02020603050405020304" pitchFamily="18" charset="0"/>
-              </a:rPr>
-              <a:t>cust_detail</a:t>
-            </a:r>
-            <a:r>
-              <a:rPr lang="en-US" sz="1400" b="1" dirty="0">
-                <a:latin typeface="Times New Roman" panose="02020603050405020304" pitchFamily="18" charset="0"/>
-                <a:cs typeface="Times New Roman" panose="02020603050405020304" pitchFamily="18" charset="0"/>
-              </a:rPr>
-              <a:t>'[</a:t>
-            </a:r>
-            <a:r>
-              <a:rPr lang="en-US" sz="1400" b="1" dirty="0" err="1">
-                <a:latin typeface="Times New Roman" panose="02020603050405020304" pitchFamily="18" charset="0"/>
-                <a:cs typeface="Times New Roman" panose="02020603050405020304" pitchFamily="18" charset="0"/>
-              </a:rPr>
-              <a:t>customer_age</a:t>
-            </a:r>
-            <a:r>
-              <a:rPr lang="en-US" sz="1400" b="1" dirty="0">
-                <a:latin typeface="Times New Roman" panose="02020603050405020304" pitchFamily="18" charset="0"/>
-                <a:cs typeface="Times New Roman" panose="02020603050405020304" pitchFamily="18" charset="0"/>
-              </a:rPr>
-              <a:t>] &lt; 30, "20-30",</a:t>
-            </a:r>
-          </a:p>
-          <a:p>
-            <a:pPr marL="0" indent="0">
-              <a:buNone/>
-            </a:pPr>
-            <a:r>
-              <a:rPr lang="en-US" sz="1400" b="1" dirty="0">
-                <a:latin typeface="Times New Roman" panose="02020603050405020304" pitchFamily="18" charset="0"/>
-                <a:cs typeface="Times New Roman" panose="02020603050405020304" pitchFamily="18" charset="0"/>
-              </a:rPr>
-              <a:t> 'public </a:t>
-            </a:r>
-            <a:r>
-              <a:rPr lang="en-US" sz="1400" b="1" dirty="0" err="1">
-                <a:latin typeface="Times New Roman" panose="02020603050405020304" pitchFamily="18" charset="0"/>
-                <a:cs typeface="Times New Roman" panose="02020603050405020304" pitchFamily="18" charset="0"/>
-              </a:rPr>
-              <a:t>cust_detail</a:t>
-            </a:r>
-            <a:r>
-              <a:rPr lang="en-US" sz="1400" b="1" dirty="0">
-                <a:latin typeface="Times New Roman" panose="02020603050405020304" pitchFamily="18" charset="0"/>
-                <a:cs typeface="Times New Roman" panose="02020603050405020304" pitchFamily="18" charset="0"/>
-              </a:rPr>
-              <a:t>'[</a:t>
-            </a:r>
-            <a:r>
-              <a:rPr lang="en-US" sz="1400" b="1" dirty="0" err="1">
-                <a:latin typeface="Times New Roman" panose="02020603050405020304" pitchFamily="18" charset="0"/>
-                <a:cs typeface="Times New Roman" panose="02020603050405020304" pitchFamily="18" charset="0"/>
-              </a:rPr>
-              <a:t>customer_age</a:t>
-            </a:r>
-            <a:r>
-              <a:rPr lang="en-US" sz="1400" b="1" dirty="0">
-                <a:latin typeface="Times New Roman" panose="02020603050405020304" pitchFamily="18" charset="0"/>
-                <a:cs typeface="Times New Roman" panose="02020603050405020304" pitchFamily="18" charset="0"/>
-              </a:rPr>
-              <a:t>] &gt;= 30 &amp;&amp; 'public </a:t>
-            </a:r>
-            <a:r>
-              <a:rPr lang="en-US" sz="1400" b="1" dirty="0" err="1">
-                <a:latin typeface="Times New Roman" panose="02020603050405020304" pitchFamily="18" charset="0"/>
-                <a:cs typeface="Times New Roman" panose="02020603050405020304" pitchFamily="18" charset="0"/>
-              </a:rPr>
-              <a:t>cust_detail</a:t>
-            </a:r>
-            <a:r>
-              <a:rPr lang="en-US" sz="1400" b="1" dirty="0">
-                <a:latin typeface="Times New Roman" panose="02020603050405020304" pitchFamily="18" charset="0"/>
-                <a:cs typeface="Times New Roman" panose="02020603050405020304" pitchFamily="18" charset="0"/>
-              </a:rPr>
-              <a:t>'[</a:t>
-            </a:r>
-            <a:r>
-              <a:rPr lang="en-US" sz="1400" b="1" dirty="0" err="1">
-                <a:latin typeface="Times New Roman" panose="02020603050405020304" pitchFamily="18" charset="0"/>
-                <a:cs typeface="Times New Roman" panose="02020603050405020304" pitchFamily="18" charset="0"/>
-              </a:rPr>
-              <a:t>customer_age</a:t>
-            </a:r>
-            <a:r>
-              <a:rPr lang="en-US" sz="1400" b="1" dirty="0">
-                <a:latin typeface="Times New Roman" panose="02020603050405020304" pitchFamily="18" charset="0"/>
-                <a:cs typeface="Times New Roman" panose="02020603050405020304" pitchFamily="18" charset="0"/>
-              </a:rPr>
-              <a:t>] &lt; 40, "30-40",</a:t>
-            </a:r>
-          </a:p>
-          <a:p>
-            <a:pPr marL="0" indent="0">
-              <a:buNone/>
-            </a:pPr>
-            <a:r>
-              <a:rPr lang="en-US" sz="1400" b="1" dirty="0">
-                <a:latin typeface="Times New Roman" panose="02020603050405020304" pitchFamily="18" charset="0"/>
-                <a:cs typeface="Times New Roman" panose="02020603050405020304" pitchFamily="18" charset="0"/>
-              </a:rPr>
-              <a:t> 'public </a:t>
-            </a:r>
-            <a:r>
-              <a:rPr lang="en-US" sz="1400" b="1" dirty="0" err="1">
-                <a:latin typeface="Times New Roman" panose="02020603050405020304" pitchFamily="18" charset="0"/>
-                <a:cs typeface="Times New Roman" panose="02020603050405020304" pitchFamily="18" charset="0"/>
-              </a:rPr>
-              <a:t>cust_detail</a:t>
-            </a:r>
-            <a:r>
-              <a:rPr lang="en-US" sz="1400" b="1" dirty="0">
-                <a:latin typeface="Times New Roman" panose="02020603050405020304" pitchFamily="18" charset="0"/>
-                <a:cs typeface="Times New Roman" panose="02020603050405020304" pitchFamily="18" charset="0"/>
-              </a:rPr>
-              <a:t>'[</a:t>
-            </a:r>
-            <a:r>
-              <a:rPr lang="en-US" sz="1400" b="1" dirty="0" err="1">
-                <a:latin typeface="Times New Roman" panose="02020603050405020304" pitchFamily="18" charset="0"/>
-                <a:cs typeface="Times New Roman" panose="02020603050405020304" pitchFamily="18" charset="0"/>
-              </a:rPr>
-              <a:t>customer_age</a:t>
-            </a:r>
-            <a:r>
-              <a:rPr lang="en-US" sz="1400" b="1" dirty="0">
-                <a:latin typeface="Times New Roman" panose="02020603050405020304" pitchFamily="18" charset="0"/>
-                <a:cs typeface="Times New Roman" panose="02020603050405020304" pitchFamily="18" charset="0"/>
-              </a:rPr>
-              <a:t>] &gt;= 40 &amp;&amp; 'public </a:t>
-            </a:r>
-            <a:r>
-              <a:rPr lang="en-US" sz="1400" b="1" dirty="0" err="1">
-                <a:latin typeface="Times New Roman" panose="02020603050405020304" pitchFamily="18" charset="0"/>
-                <a:cs typeface="Times New Roman" panose="02020603050405020304" pitchFamily="18" charset="0"/>
-              </a:rPr>
-              <a:t>cust_detail</a:t>
-            </a:r>
-            <a:r>
-              <a:rPr lang="en-US" sz="1400" b="1" dirty="0">
-                <a:latin typeface="Times New Roman" panose="02020603050405020304" pitchFamily="18" charset="0"/>
-                <a:cs typeface="Times New Roman" panose="02020603050405020304" pitchFamily="18" charset="0"/>
-              </a:rPr>
-              <a:t>'[</a:t>
-            </a:r>
-            <a:r>
-              <a:rPr lang="en-US" sz="1400" b="1" dirty="0" err="1">
-                <a:latin typeface="Times New Roman" panose="02020603050405020304" pitchFamily="18" charset="0"/>
-                <a:cs typeface="Times New Roman" panose="02020603050405020304" pitchFamily="18" charset="0"/>
-              </a:rPr>
-              <a:t>customer_age</a:t>
-            </a:r>
-            <a:r>
-              <a:rPr lang="en-US" sz="1400" b="1" dirty="0">
-                <a:latin typeface="Times New Roman" panose="02020603050405020304" pitchFamily="18" charset="0"/>
-                <a:cs typeface="Times New Roman" panose="02020603050405020304" pitchFamily="18" charset="0"/>
-              </a:rPr>
-              <a:t>] &lt; 50, "40-50",</a:t>
-            </a:r>
-          </a:p>
-          <a:p>
-            <a:pPr marL="0" indent="0">
-              <a:buNone/>
-            </a:pPr>
-            <a:r>
-              <a:rPr lang="en-US" sz="1400" b="1" dirty="0">
-                <a:latin typeface="Times New Roman" panose="02020603050405020304" pitchFamily="18" charset="0"/>
-                <a:cs typeface="Times New Roman" panose="02020603050405020304" pitchFamily="18" charset="0"/>
-              </a:rPr>
-              <a:t>‘public </a:t>
-            </a:r>
-            <a:r>
-              <a:rPr lang="en-US" sz="1400" b="1" dirty="0" err="1">
-                <a:latin typeface="Times New Roman" panose="02020603050405020304" pitchFamily="18" charset="0"/>
-                <a:cs typeface="Times New Roman" panose="02020603050405020304" pitchFamily="18" charset="0"/>
-              </a:rPr>
-              <a:t>cust_detail</a:t>
-            </a:r>
-            <a:r>
-              <a:rPr lang="en-US" sz="1400" b="1" dirty="0">
-                <a:latin typeface="Times New Roman" panose="02020603050405020304" pitchFamily="18" charset="0"/>
-                <a:cs typeface="Times New Roman" panose="02020603050405020304" pitchFamily="18" charset="0"/>
-              </a:rPr>
-              <a:t>'[</a:t>
-            </a:r>
-            <a:r>
-              <a:rPr lang="en-US" sz="1400" b="1" dirty="0" err="1">
-                <a:latin typeface="Times New Roman" panose="02020603050405020304" pitchFamily="18" charset="0"/>
-                <a:cs typeface="Times New Roman" panose="02020603050405020304" pitchFamily="18" charset="0"/>
-              </a:rPr>
-              <a:t>customer_age</a:t>
-            </a:r>
-            <a:r>
-              <a:rPr lang="en-US" sz="1400" b="1" dirty="0">
-                <a:latin typeface="Times New Roman" panose="02020603050405020304" pitchFamily="18" charset="0"/>
-                <a:cs typeface="Times New Roman" panose="02020603050405020304" pitchFamily="18" charset="0"/>
-              </a:rPr>
-              <a:t>] &gt;= 50 &amp;&amp; 'public </a:t>
-            </a:r>
-            <a:r>
-              <a:rPr lang="en-US" sz="1400" b="1" dirty="0" err="1">
-                <a:latin typeface="Times New Roman" panose="02020603050405020304" pitchFamily="18" charset="0"/>
-                <a:cs typeface="Times New Roman" panose="02020603050405020304" pitchFamily="18" charset="0"/>
-              </a:rPr>
-              <a:t>cust_detail</a:t>
-            </a:r>
-            <a:r>
-              <a:rPr lang="en-US" sz="1400" b="1" dirty="0">
-                <a:latin typeface="Times New Roman" panose="02020603050405020304" pitchFamily="18" charset="0"/>
-                <a:cs typeface="Times New Roman" panose="02020603050405020304" pitchFamily="18" charset="0"/>
-              </a:rPr>
-              <a:t>'[</a:t>
-            </a:r>
-            <a:r>
-              <a:rPr lang="en-US" sz="1400" b="1" dirty="0" err="1">
-                <a:latin typeface="Times New Roman" panose="02020603050405020304" pitchFamily="18" charset="0"/>
-                <a:cs typeface="Times New Roman" panose="02020603050405020304" pitchFamily="18" charset="0"/>
-              </a:rPr>
-              <a:t>customer_age</a:t>
-            </a:r>
-            <a:r>
-              <a:rPr lang="en-US" sz="1400" b="1" dirty="0">
-                <a:latin typeface="Times New Roman" panose="02020603050405020304" pitchFamily="18" charset="0"/>
-                <a:cs typeface="Times New Roman" panose="02020603050405020304" pitchFamily="18" charset="0"/>
-              </a:rPr>
-              <a:t>] &lt; 60, "50-60",</a:t>
-            </a:r>
-          </a:p>
-          <a:p>
-            <a:pPr marL="0" indent="0">
-              <a:buNone/>
-            </a:pPr>
-            <a:r>
-              <a:rPr lang="en-US" sz="1400" b="1" dirty="0">
-                <a:latin typeface="Times New Roman" panose="02020603050405020304" pitchFamily="18" charset="0"/>
-                <a:cs typeface="Times New Roman" panose="02020603050405020304" pitchFamily="18" charset="0"/>
-              </a:rPr>
-              <a:t> 'public </a:t>
-            </a:r>
-            <a:r>
-              <a:rPr lang="en-US" sz="1400" b="1" dirty="0" err="1">
-                <a:latin typeface="Times New Roman" panose="02020603050405020304" pitchFamily="18" charset="0"/>
-                <a:cs typeface="Times New Roman" panose="02020603050405020304" pitchFamily="18" charset="0"/>
-              </a:rPr>
-              <a:t>cust_detail</a:t>
-            </a:r>
-            <a:r>
-              <a:rPr lang="en-US" sz="1400" b="1" dirty="0">
-                <a:latin typeface="Times New Roman" panose="02020603050405020304" pitchFamily="18" charset="0"/>
-                <a:cs typeface="Times New Roman" panose="02020603050405020304" pitchFamily="18" charset="0"/>
-              </a:rPr>
-              <a:t>'[</a:t>
-            </a:r>
-            <a:r>
-              <a:rPr lang="en-US" sz="1400" b="1" dirty="0" err="1">
-                <a:latin typeface="Times New Roman" panose="02020603050405020304" pitchFamily="18" charset="0"/>
-                <a:cs typeface="Times New Roman" panose="02020603050405020304" pitchFamily="18" charset="0"/>
-              </a:rPr>
-              <a:t>customer_age</a:t>
-            </a:r>
-            <a:r>
-              <a:rPr lang="en-US" sz="1400" b="1" dirty="0">
-                <a:latin typeface="Times New Roman" panose="02020603050405020304" pitchFamily="18" charset="0"/>
-                <a:cs typeface="Times New Roman" panose="02020603050405020304" pitchFamily="18" charset="0"/>
-              </a:rPr>
-              <a:t>] &gt;= 60, "60+",</a:t>
-            </a:r>
-          </a:p>
-          <a:p>
-            <a:pPr marL="0" indent="0">
-              <a:buNone/>
-            </a:pPr>
-            <a:r>
-              <a:rPr lang="en-US" sz="1400" b="1" dirty="0">
-                <a:latin typeface="Times New Roman" panose="02020603050405020304" pitchFamily="18" charset="0"/>
-                <a:cs typeface="Times New Roman" panose="02020603050405020304" pitchFamily="18" charset="0"/>
-              </a:rPr>
-              <a:t>"unknown"</a:t>
-            </a:r>
-          </a:p>
-          <a:p>
-            <a:pPr marL="0" indent="0">
-              <a:buNone/>
-            </a:pPr>
-            <a:r>
-              <a:rPr lang="en-US" sz="1400" b="1" dirty="0">
-                <a:latin typeface="Times New Roman" panose="02020603050405020304" pitchFamily="18" charset="0"/>
-                <a:cs typeface="Times New Roman" panose="02020603050405020304" pitchFamily="18" charset="0"/>
-              </a:rPr>
-              <a:t> )</a:t>
-            </a:r>
-            <a:r>
-              <a:rPr lang="en-US" sz="1400" b="1" dirty="0" err="1">
-                <a:latin typeface="Times New Roman" panose="02020603050405020304" pitchFamily="18" charset="0"/>
-                <a:cs typeface="Times New Roman" panose="02020603050405020304" pitchFamily="18" charset="0"/>
-              </a:rPr>
-              <a:t>IncomeGroup</a:t>
-            </a:r>
-            <a:r>
-              <a:rPr lang="en-US" sz="1400" b="1" dirty="0">
-                <a:latin typeface="Times New Roman" panose="02020603050405020304" pitchFamily="18" charset="0"/>
-                <a:cs typeface="Times New Roman" panose="02020603050405020304" pitchFamily="18" charset="0"/>
-              </a:rPr>
-              <a:t> = SWITCH(</a:t>
-            </a:r>
-          </a:p>
-          <a:p>
-            <a:pPr marL="0" indent="0">
-              <a:buNone/>
-            </a:pPr>
-            <a:r>
-              <a:rPr lang="en-US" sz="1400" b="1" dirty="0">
-                <a:latin typeface="Times New Roman" panose="02020603050405020304" pitchFamily="18" charset="0"/>
-                <a:cs typeface="Times New Roman" panose="02020603050405020304" pitchFamily="18" charset="0"/>
-              </a:rPr>
-              <a:t>TRUE(),</a:t>
-            </a:r>
-          </a:p>
-          <a:p>
-            <a:pPr marL="0" indent="0">
-              <a:buNone/>
-            </a:pPr>
-            <a:r>
-              <a:rPr lang="en-US" sz="1400" b="1" dirty="0">
-                <a:latin typeface="Times New Roman" panose="02020603050405020304" pitchFamily="18" charset="0"/>
-                <a:cs typeface="Times New Roman" panose="02020603050405020304" pitchFamily="18" charset="0"/>
-              </a:rPr>
-              <a:t>public </a:t>
-            </a:r>
-            <a:r>
-              <a:rPr lang="en-US" sz="1400" b="1" dirty="0" err="1">
-                <a:latin typeface="Times New Roman" panose="02020603050405020304" pitchFamily="18" charset="0"/>
-                <a:cs typeface="Times New Roman" panose="02020603050405020304" pitchFamily="18" charset="0"/>
-              </a:rPr>
-              <a:t>cust_detail</a:t>
-            </a:r>
-            <a:r>
-              <a:rPr lang="en-US" sz="1400" b="1" dirty="0">
-                <a:latin typeface="Times New Roman" panose="02020603050405020304" pitchFamily="18" charset="0"/>
-                <a:cs typeface="Times New Roman" panose="02020603050405020304" pitchFamily="18" charset="0"/>
-              </a:rPr>
-              <a:t>'[income] &lt; 35000, "Low",</a:t>
-            </a:r>
-          </a:p>
-          <a:p>
-            <a:pPr marL="0" indent="0">
-              <a:buNone/>
-            </a:pPr>
-            <a:r>
-              <a:rPr lang="en-US" sz="1400" b="1" dirty="0">
-                <a:latin typeface="Times New Roman" panose="02020603050405020304" pitchFamily="18" charset="0"/>
-                <a:cs typeface="Times New Roman" panose="02020603050405020304" pitchFamily="18" charset="0"/>
-              </a:rPr>
-              <a:t> 'public </a:t>
-            </a:r>
-            <a:r>
-              <a:rPr lang="en-US" sz="1400" b="1" dirty="0" err="1">
-                <a:latin typeface="Times New Roman" panose="02020603050405020304" pitchFamily="18" charset="0"/>
-                <a:cs typeface="Times New Roman" panose="02020603050405020304" pitchFamily="18" charset="0"/>
-              </a:rPr>
-              <a:t>cust_detail</a:t>
-            </a:r>
-            <a:r>
-              <a:rPr lang="en-US" sz="1400" b="1" dirty="0">
-                <a:latin typeface="Times New Roman" panose="02020603050405020304" pitchFamily="18" charset="0"/>
-                <a:cs typeface="Times New Roman" panose="02020603050405020304" pitchFamily="18" charset="0"/>
-              </a:rPr>
-              <a:t>'[income] &gt;= 35000 &amp;&amp; 'public </a:t>
-            </a:r>
-            <a:r>
-              <a:rPr lang="en-US" sz="1400" b="1" dirty="0" err="1">
-                <a:latin typeface="Times New Roman" panose="02020603050405020304" pitchFamily="18" charset="0"/>
-                <a:cs typeface="Times New Roman" panose="02020603050405020304" pitchFamily="18" charset="0"/>
-              </a:rPr>
-              <a:t>cust_detail</a:t>
-            </a:r>
-            <a:r>
-              <a:rPr lang="en-US" sz="1400" b="1" dirty="0">
-                <a:latin typeface="Times New Roman" panose="02020603050405020304" pitchFamily="18" charset="0"/>
-                <a:cs typeface="Times New Roman" panose="02020603050405020304" pitchFamily="18" charset="0"/>
-              </a:rPr>
-              <a:t>'[income] &lt;70000, "Med",</a:t>
-            </a:r>
-          </a:p>
-          <a:p>
-            <a:pPr marL="0" indent="0">
-              <a:buNone/>
-            </a:pPr>
-            <a:r>
-              <a:rPr lang="en-US" sz="1400" b="1" dirty="0">
-                <a:latin typeface="Times New Roman" panose="02020603050405020304" pitchFamily="18" charset="0"/>
-                <a:cs typeface="Times New Roman" panose="02020603050405020304" pitchFamily="18" charset="0"/>
-              </a:rPr>
-              <a:t>'public </a:t>
-            </a:r>
-            <a:r>
-              <a:rPr lang="en-US" sz="1400" b="1" dirty="0" err="1">
-                <a:latin typeface="Times New Roman" panose="02020603050405020304" pitchFamily="18" charset="0"/>
-                <a:cs typeface="Times New Roman" panose="02020603050405020304" pitchFamily="18" charset="0"/>
-              </a:rPr>
-              <a:t>cust_detail</a:t>
-            </a:r>
-            <a:r>
-              <a:rPr lang="en-US" sz="1400" b="1" dirty="0">
-                <a:latin typeface="Times New Roman" panose="02020603050405020304" pitchFamily="18" charset="0"/>
-                <a:cs typeface="Times New Roman" panose="02020603050405020304" pitchFamily="18" charset="0"/>
-              </a:rPr>
-              <a:t>'[income] &gt;= 70000, "High",</a:t>
-            </a:r>
-          </a:p>
-          <a:p>
-            <a:pPr marL="0" indent="0">
-              <a:buNone/>
-            </a:pPr>
-            <a:r>
-              <a:rPr lang="en-US" sz="1400" b="1" dirty="0">
-                <a:latin typeface="Times New Roman" panose="02020603050405020304" pitchFamily="18" charset="0"/>
-                <a:cs typeface="Times New Roman" panose="02020603050405020304" pitchFamily="18" charset="0"/>
-              </a:rPr>
-              <a:t> "unknown“)</a:t>
-            </a:r>
-          </a:p>
-        </p:txBody>
-      </p:sp>
+      </p:pic>
     </p:spTree>
     <p:extLst>
       <p:ext uri="{BB962C8B-B14F-4D97-AF65-F5344CB8AC3E}">
-        <p14:creationId xmlns:p14="http://schemas.microsoft.com/office/powerpoint/2010/main" val="1445747618"/>
+        <p14:creationId xmlns:p14="http://schemas.microsoft.com/office/powerpoint/2010/main" val="1850179110"/>
       </p:ext>
     </p:extLst>
   </p:cSld>
@@ -4685,7 +4281,7 @@
           <p:cNvPr id="2" name="Title 1">
             <a:extLst>
               <a:ext uri="{FF2B5EF4-FFF2-40B4-BE49-F238E27FC236}">
-                <a16:creationId xmlns:a16="http://schemas.microsoft.com/office/drawing/2014/main" id="{3DA6EF66-EB82-7556-17A6-327C0422ADC1}"/>
+                <a16:creationId xmlns:a16="http://schemas.microsoft.com/office/drawing/2014/main" id="{2A400BA5-15CA-3E0E-17FF-C07E71D89A45}"/>
               </a:ext>
             </a:extLst>
           </p:cNvPr>
@@ -4696,15 +4292,10 @@
             <p:ph type="title"/>
           </p:nvPr>
         </p:nvSpPr>
-        <p:spPr>
-          <a:xfrm>
-            <a:off x="612648" y="548640"/>
-            <a:ext cx="10653578" cy="724989"/>
-          </a:xfrm>
-        </p:spPr>
+        <p:spPr/>
         <p:txBody>
           <a:bodyPr>
-            <a:normAutofit/>
+            <a:normAutofit fontScale="90000"/>
           </a:bodyPr>
           <a:lstStyle/>
           <a:p>
@@ -4718,10 +4309,10 @@
               </a:rPr>
               <a:t>DAX Queries</a:t>
             </a:r>
-            <a:endParaRPr lang="en-US" sz="4000" dirty="0">
-              <a:latin typeface="Times New Roman" panose="02020603050405020304" pitchFamily="18" charset="0"/>
-              <a:cs typeface="Times New Roman" panose="02020603050405020304" pitchFamily="18" charset="0"/>
-            </a:endParaRPr>
+            <a:br>
+              <a:rPr lang="en-US" dirty="0"/>
+            </a:br>
+            <a:endParaRPr lang="en-US" dirty="0"/>
           </a:p>
         </p:txBody>
       </p:sp>
@@ -4730,7 +4321,7 @@
           <p:cNvPr id="3" name="Content Placeholder 2">
             <a:extLst>
               <a:ext uri="{FF2B5EF4-FFF2-40B4-BE49-F238E27FC236}">
-                <a16:creationId xmlns:a16="http://schemas.microsoft.com/office/drawing/2014/main" id="{E44DE19E-AAF5-6E80-B8E4-C41359852117}"/>
+                <a16:creationId xmlns:a16="http://schemas.microsoft.com/office/drawing/2014/main" id="{80D878B0-6F1B-6CF2-2C91-77A262EFF0C4}"/>
               </a:ext>
             </a:extLst>
           </p:cNvPr>
@@ -4743,8 +4334,8 @@
         </p:nvSpPr>
         <p:spPr>
           <a:xfrm>
-            <a:off x="612647" y="1273629"/>
-            <a:ext cx="10653579" cy="5035731"/>
+            <a:off x="517723" y="1269217"/>
+            <a:ext cx="10653579" cy="5294869"/>
           </a:xfrm>
           <a:solidFill>
             <a:schemeClr val="bg1">
@@ -4762,39 +4353,70 @@
               <a:buNone/>
             </a:pPr>
             <a:r>
-              <a:rPr lang="en-US" sz="1600" b="1" dirty="0">
-                <a:latin typeface="Times New Roman" panose="02020603050405020304" pitchFamily="18" charset="0"/>
-                <a:cs typeface="Times New Roman" panose="02020603050405020304" pitchFamily="18" charset="0"/>
-              </a:rPr>
-              <a:t>week_num2 = WEEKNUM('public </a:t>
-            </a:r>
-            <a:r>
-              <a:rPr lang="en-US" sz="1600" b="1" dirty="0" err="1">
-                <a:latin typeface="Times New Roman" panose="02020603050405020304" pitchFamily="18" charset="0"/>
-                <a:cs typeface="Times New Roman" panose="02020603050405020304" pitchFamily="18" charset="0"/>
-              </a:rPr>
-              <a:t>cc_detail</a:t>
-            </a:r>
-            <a:r>
-              <a:rPr lang="en-US" sz="1600" b="1" dirty="0">
+              <a:rPr lang="en-US" sz="1400" b="1" dirty="0" err="1">
+                <a:latin typeface="Times New Roman" panose="02020603050405020304" pitchFamily="18" charset="0"/>
+                <a:cs typeface="Times New Roman" panose="02020603050405020304" pitchFamily="18" charset="0"/>
+              </a:rPr>
+              <a:t>AgeGroup</a:t>
+            </a:r>
+            <a:r>
+              <a:rPr lang="en-US" sz="1400" b="1" dirty="0">
+                <a:latin typeface="Times New Roman" panose="02020603050405020304" pitchFamily="18" charset="0"/>
+                <a:cs typeface="Times New Roman" panose="02020603050405020304" pitchFamily="18" charset="0"/>
+              </a:rPr>
+              <a:t> = SWITCH(</a:t>
+            </a:r>
+          </a:p>
+          <a:p>
+            <a:pPr marL="0" indent="0">
+              <a:buNone/>
+            </a:pPr>
+            <a:r>
+              <a:rPr lang="en-US" sz="1400" b="1" dirty="0">
+                <a:latin typeface="Times New Roman" panose="02020603050405020304" pitchFamily="18" charset="0"/>
+                <a:cs typeface="Times New Roman" panose="02020603050405020304" pitchFamily="18" charset="0"/>
+              </a:rPr>
+              <a:t> TRUE(),</a:t>
+            </a:r>
+          </a:p>
+          <a:p>
+            <a:pPr marL="0" indent="0">
+              <a:buNone/>
+            </a:pPr>
+            <a:r>
+              <a:rPr lang="en-US" sz="1400" b="1" dirty="0">
+                <a:latin typeface="Times New Roman" panose="02020603050405020304" pitchFamily="18" charset="0"/>
+                <a:cs typeface="Times New Roman" panose="02020603050405020304" pitchFamily="18" charset="0"/>
+              </a:rPr>
+              <a:t> 'public </a:t>
+            </a:r>
+            <a:r>
+              <a:rPr lang="en-US" sz="1400" b="1" dirty="0" err="1">
+                <a:latin typeface="Times New Roman" panose="02020603050405020304" pitchFamily="18" charset="0"/>
+                <a:cs typeface="Times New Roman" panose="02020603050405020304" pitchFamily="18" charset="0"/>
+              </a:rPr>
+              <a:t>cust_detail</a:t>
+            </a:r>
+            <a:r>
+              <a:rPr lang="en-US" sz="1400" b="1" dirty="0">
                 <a:latin typeface="Times New Roman" panose="02020603050405020304" pitchFamily="18" charset="0"/>
                 <a:cs typeface="Times New Roman" panose="02020603050405020304" pitchFamily="18" charset="0"/>
               </a:rPr>
               <a:t>'[</a:t>
             </a:r>
             <a:r>
-              <a:rPr lang="en-US" sz="1600" b="1" dirty="0" err="1">
-                <a:latin typeface="Times New Roman" panose="02020603050405020304" pitchFamily="18" charset="0"/>
-                <a:cs typeface="Times New Roman" panose="02020603050405020304" pitchFamily="18" charset="0"/>
-              </a:rPr>
-              <a:t>week_start_date</a:t>
-            </a:r>
-            <a:r>
-              <a:rPr lang="en-US" sz="1600" b="1" dirty="0">
-                <a:latin typeface="Times New Roman" panose="02020603050405020304" pitchFamily="18" charset="0"/>
-                <a:cs typeface="Times New Roman" panose="02020603050405020304" pitchFamily="18" charset="0"/>
-              </a:rPr>
-              <a:t>])</a:t>
+              <a:rPr lang="en-US" sz="1400" b="1" dirty="0" err="1">
+                <a:latin typeface="Times New Roman" panose="02020603050405020304" pitchFamily="18" charset="0"/>
+                <a:cs typeface="Times New Roman" panose="02020603050405020304" pitchFamily="18" charset="0"/>
+              </a:rPr>
+              <a:t>customer_age</a:t>
+            </a:r>
+            <a:r>
+              <a:rPr lang="en-US" sz="1400" b="1" dirty="0">
+                <a:latin typeface="Times New Roman" panose="02020603050405020304" pitchFamily="18" charset="0"/>
+                <a:cs typeface="Times New Roman" panose="02020603050405020304" pitchFamily="18" charset="0"/>
+              </a:rPr>
+              <a:t>] &lt; 30, "20-30",</a:t>
             </a:r>
           </a:p>
           <a:p>
@@ -4802,95 +4424,135 @@
               <a:buNone/>
             </a:pPr>
             <a:r>
-              <a:rPr lang="en-US" sz="1600" b="1" dirty="0">
-                <a:latin typeface="Times New Roman" panose="02020603050405020304" pitchFamily="18" charset="0"/>
-                <a:cs typeface="Times New Roman" panose="02020603050405020304" pitchFamily="18" charset="0"/>
-              </a:rPr>
-              <a:t> Revenue = 'public </a:t>
-            </a:r>
-            <a:r>
-              <a:rPr lang="en-US" sz="1600" b="1" dirty="0" err="1">
-                <a:latin typeface="Times New Roman" panose="02020603050405020304" pitchFamily="18" charset="0"/>
-                <a:cs typeface="Times New Roman" panose="02020603050405020304" pitchFamily="18" charset="0"/>
-              </a:rPr>
-              <a:t>cc_detail</a:t>
-            </a:r>
-            <a:r>
-              <a:rPr lang="en-US" sz="1600" b="1" dirty="0">
+              <a:rPr lang="en-US" sz="1400" b="1" dirty="0">
+                <a:latin typeface="Times New Roman" panose="02020603050405020304" pitchFamily="18" charset="0"/>
+                <a:cs typeface="Times New Roman" panose="02020603050405020304" pitchFamily="18" charset="0"/>
+              </a:rPr>
+              <a:t> 'public </a:t>
+            </a:r>
+            <a:r>
+              <a:rPr lang="en-US" sz="1400" b="1" dirty="0" err="1">
+                <a:latin typeface="Times New Roman" panose="02020603050405020304" pitchFamily="18" charset="0"/>
+                <a:cs typeface="Times New Roman" panose="02020603050405020304" pitchFamily="18" charset="0"/>
+              </a:rPr>
+              <a:t>cust_detail</a:t>
+            </a:r>
+            <a:r>
+              <a:rPr lang="en-US" sz="1400" b="1" dirty="0">
                 <a:latin typeface="Times New Roman" panose="02020603050405020304" pitchFamily="18" charset="0"/>
                 <a:cs typeface="Times New Roman" panose="02020603050405020304" pitchFamily="18" charset="0"/>
               </a:rPr>
               <a:t>'[</a:t>
             </a:r>
             <a:r>
-              <a:rPr lang="en-US" sz="1600" b="1" dirty="0" err="1">
-                <a:latin typeface="Times New Roman" panose="02020603050405020304" pitchFamily="18" charset="0"/>
-                <a:cs typeface="Times New Roman" panose="02020603050405020304" pitchFamily="18" charset="0"/>
-              </a:rPr>
-              <a:t>annual_fees</a:t>
-            </a:r>
-            <a:r>
-              <a:rPr lang="en-US" sz="1600" b="1" dirty="0">
-                <a:latin typeface="Times New Roman" panose="02020603050405020304" pitchFamily="18" charset="0"/>
-                <a:cs typeface="Times New Roman" panose="02020603050405020304" pitchFamily="18" charset="0"/>
-              </a:rPr>
-              <a:t>] + 'public </a:t>
-            </a:r>
-            <a:r>
-              <a:rPr lang="en-US" sz="1600" b="1" dirty="0" err="1">
-                <a:latin typeface="Times New Roman" panose="02020603050405020304" pitchFamily="18" charset="0"/>
-                <a:cs typeface="Times New Roman" panose="02020603050405020304" pitchFamily="18" charset="0"/>
-              </a:rPr>
-              <a:t>cc_detail</a:t>
-            </a:r>
-            <a:r>
-              <a:rPr lang="en-US" sz="1600" b="1" dirty="0">
+              <a:rPr lang="en-US" sz="1400" b="1" dirty="0" err="1">
+                <a:latin typeface="Times New Roman" panose="02020603050405020304" pitchFamily="18" charset="0"/>
+                <a:cs typeface="Times New Roman" panose="02020603050405020304" pitchFamily="18" charset="0"/>
+              </a:rPr>
+              <a:t>customer_age</a:t>
+            </a:r>
+            <a:r>
+              <a:rPr lang="en-US" sz="1400" b="1" dirty="0">
+                <a:latin typeface="Times New Roman" panose="02020603050405020304" pitchFamily="18" charset="0"/>
+                <a:cs typeface="Times New Roman" panose="02020603050405020304" pitchFamily="18" charset="0"/>
+              </a:rPr>
+              <a:t>] &gt;= 30 &amp;&amp; 'public </a:t>
+            </a:r>
+            <a:r>
+              <a:rPr lang="en-US" sz="1400" b="1" dirty="0" err="1">
+                <a:latin typeface="Times New Roman" panose="02020603050405020304" pitchFamily="18" charset="0"/>
+                <a:cs typeface="Times New Roman" panose="02020603050405020304" pitchFamily="18" charset="0"/>
+              </a:rPr>
+              <a:t>cust_detail</a:t>
+            </a:r>
+            <a:r>
+              <a:rPr lang="en-US" sz="1400" b="1" dirty="0">
                 <a:latin typeface="Times New Roman" panose="02020603050405020304" pitchFamily="18" charset="0"/>
                 <a:cs typeface="Times New Roman" panose="02020603050405020304" pitchFamily="18" charset="0"/>
               </a:rPr>
               <a:t>'[</a:t>
             </a:r>
             <a:r>
-              <a:rPr lang="en-US" sz="1600" b="1" dirty="0" err="1">
-                <a:latin typeface="Times New Roman" panose="02020603050405020304" pitchFamily="18" charset="0"/>
-                <a:cs typeface="Times New Roman" panose="02020603050405020304" pitchFamily="18" charset="0"/>
-              </a:rPr>
-              <a:t>total_trans_amt</a:t>
-            </a:r>
-            <a:r>
-              <a:rPr lang="en-US" sz="1600" b="1" dirty="0">
-                <a:latin typeface="Times New Roman" panose="02020603050405020304" pitchFamily="18" charset="0"/>
-                <a:cs typeface="Times New Roman" panose="02020603050405020304" pitchFamily="18" charset="0"/>
-              </a:rPr>
-              <a:t>] + 'public </a:t>
-            </a:r>
-            <a:r>
-              <a:rPr lang="en-US" sz="1600" b="1" dirty="0" err="1">
-                <a:latin typeface="Times New Roman" panose="02020603050405020304" pitchFamily="18" charset="0"/>
-                <a:cs typeface="Times New Roman" panose="02020603050405020304" pitchFamily="18" charset="0"/>
-              </a:rPr>
-              <a:t>cc_detail</a:t>
-            </a:r>
-            <a:r>
-              <a:rPr lang="en-US" sz="1600" b="1" dirty="0">
+              <a:rPr lang="en-US" sz="1400" b="1" dirty="0" err="1">
+                <a:latin typeface="Times New Roman" panose="02020603050405020304" pitchFamily="18" charset="0"/>
+                <a:cs typeface="Times New Roman" panose="02020603050405020304" pitchFamily="18" charset="0"/>
+              </a:rPr>
+              <a:t>customer_age</a:t>
+            </a:r>
+            <a:r>
+              <a:rPr lang="en-US" sz="1400" b="1" dirty="0">
+                <a:latin typeface="Times New Roman" panose="02020603050405020304" pitchFamily="18" charset="0"/>
+                <a:cs typeface="Times New Roman" panose="02020603050405020304" pitchFamily="18" charset="0"/>
+              </a:rPr>
+              <a:t>] &lt; 40, "30-40",</a:t>
+            </a:r>
+          </a:p>
+          <a:p>
+            <a:pPr marL="0" indent="0">
+              <a:buNone/>
+            </a:pPr>
+            <a:r>
+              <a:rPr lang="en-US" sz="1400" b="1" dirty="0">
+                <a:latin typeface="Times New Roman" panose="02020603050405020304" pitchFamily="18" charset="0"/>
+                <a:cs typeface="Times New Roman" panose="02020603050405020304" pitchFamily="18" charset="0"/>
+              </a:rPr>
+              <a:t> 'public </a:t>
+            </a:r>
+            <a:r>
+              <a:rPr lang="en-US" sz="1400" b="1" dirty="0" err="1">
+                <a:latin typeface="Times New Roman" panose="02020603050405020304" pitchFamily="18" charset="0"/>
+                <a:cs typeface="Times New Roman" panose="02020603050405020304" pitchFamily="18" charset="0"/>
+              </a:rPr>
+              <a:t>cust_detail</a:t>
+            </a:r>
+            <a:r>
+              <a:rPr lang="en-US" sz="1400" b="1" dirty="0">
                 <a:latin typeface="Times New Roman" panose="02020603050405020304" pitchFamily="18" charset="0"/>
                 <a:cs typeface="Times New Roman" panose="02020603050405020304" pitchFamily="18" charset="0"/>
               </a:rPr>
               <a:t>'[</a:t>
             </a:r>
             <a:r>
-              <a:rPr lang="en-US" sz="1600" b="1" dirty="0" err="1">
-                <a:latin typeface="Times New Roman" panose="02020603050405020304" pitchFamily="18" charset="0"/>
-                <a:cs typeface="Times New Roman" panose="02020603050405020304" pitchFamily="18" charset="0"/>
-              </a:rPr>
-              <a:t>interest_earned</a:t>
-            </a:r>
-            <a:r>
-              <a:rPr lang="en-US" sz="1600" b="1" dirty="0">
-                <a:latin typeface="Times New Roman" panose="02020603050405020304" pitchFamily="18" charset="0"/>
-                <a:cs typeface="Times New Roman" panose="02020603050405020304" pitchFamily="18" charset="0"/>
-              </a:rPr>
-              <a:t>]</a:t>
+              <a:rPr lang="en-US" sz="1400" b="1" dirty="0" err="1">
+                <a:latin typeface="Times New Roman" panose="02020603050405020304" pitchFamily="18" charset="0"/>
+                <a:cs typeface="Times New Roman" panose="02020603050405020304" pitchFamily="18" charset="0"/>
+              </a:rPr>
+              <a:t>customer_age</a:t>
+            </a:r>
+            <a:r>
+              <a:rPr lang="en-US" sz="1400" b="1" dirty="0">
+                <a:latin typeface="Times New Roman" panose="02020603050405020304" pitchFamily="18" charset="0"/>
+                <a:cs typeface="Times New Roman" panose="02020603050405020304" pitchFamily="18" charset="0"/>
+              </a:rPr>
+              <a:t>] &gt;= 40 &amp;&amp; 'public </a:t>
+            </a:r>
+            <a:r>
+              <a:rPr lang="en-US" sz="1400" b="1" dirty="0" err="1">
+                <a:latin typeface="Times New Roman" panose="02020603050405020304" pitchFamily="18" charset="0"/>
+                <a:cs typeface="Times New Roman" panose="02020603050405020304" pitchFamily="18" charset="0"/>
+              </a:rPr>
+              <a:t>cust_detail</a:t>
+            </a:r>
+            <a:r>
+              <a:rPr lang="en-US" sz="1400" b="1" dirty="0">
+                <a:latin typeface="Times New Roman" panose="02020603050405020304" pitchFamily="18" charset="0"/>
+                <a:cs typeface="Times New Roman" panose="02020603050405020304" pitchFamily="18" charset="0"/>
+              </a:rPr>
+              <a:t>'[</a:t>
+            </a:r>
+            <a:r>
+              <a:rPr lang="en-US" sz="1400" b="1" dirty="0" err="1">
+                <a:latin typeface="Times New Roman" panose="02020603050405020304" pitchFamily="18" charset="0"/>
+                <a:cs typeface="Times New Roman" panose="02020603050405020304" pitchFamily="18" charset="0"/>
+              </a:rPr>
+              <a:t>customer_age</a:t>
+            </a:r>
+            <a:r>
+              <a:rPr lang="en-US" sz="1400" b="1" dirty="0">
+                <a:latin typeface="Times New Roman" panose="02020603050405020304" pitchFamily="18" charset="0"/>
+                <a:cs typeface="Times New Roman" panose="02020603050405020304" pitchFamily="18" charset="0"/>
+              </a:rPr>
+              <a:t>] &lt; 50, "40-50",</a:t>
             </a:r>
           </a:p>
           <a:p>
@@ -4898,25 +4560,67 @@
               <a:buNone/>
             </a:pPr>
             <a:r>
-              <a:rPr lang="en-US" sz="1600" b="1" dirty="0">
-                <a:latin typeface="Times New Roman" panose="02020603050405020304" pitchFamily="18" charset="0"/>
-                <a:cs typeface="Times New Roman" panose="02020603050405020304" pitchFamily="18" charset="0"/>
-              </a:rPr>
-              <a:t> </a:t>
-            </a:r>
-            <a:r>
-              <a:rPr lang="en-US" sz="1600" b="1" dirty="0" err="1">
-                <a:latin typeface="Times New Roman" panose="02020603050405020304" pitchFamily="18" charset="0"/>
-                <a:cs typeface="Times New Roman" panose="02020603050405020304" pitchFamily="18" charset="0"/>
-              </a:rPr>
-              <a:t>Current_week_Reveneue</a:t>
-            </a:r>
-            <a:r>
-              <a:rPr lang="en-US" sz="1600" b="1" dirty="0">
-                <a:latin typeface="Times New Roman" panose="02020603050405020304" pitchFamily="18" charset="0"/>
-                <a:cs typeface="Times New Roman" panose="02020603050405020304" pitchFamily="18" charset="0"/>
-              </a:rPr>
-              <a:t> = CALCULATE(</a:t>
+              <a:rPr lang="en-US" sz="1400" b="1" dirty="0">
+                <a:latin typeface="Times New Roman" panose="02020603050405020304" pitchFamily="18" charset="0"/>
+                <a:cs typeface="Times New Roman" panose="02020603050405020304" pitchFamily="18" charset="0"/>
+              </a:rPr>
+              <a:t>‘public </a:t>
+            </a:r>
+            <a:r>
+              <a:rPr lang="en-US" sz="1400" b="1" dirty="0" err="1">
+                <a:latin typeface="Times New Roman" panose="02020603050405020304" pitchFamily="18" charset="0"/>
+                <a:cs typeface="Times New Roman" panose="02020603050405020304" pitchFamily="18" charset="0"/>
+              </a:rPr>
+              <a:t>cust_detail</a:t>
+            </a:r>
+            <a:r>
+              <a:rPr lang="en-US" sz="1400" b="1" dirty="0">
+                <a:latin typeface="Times New Roman" panose="02020603050405020304" pitchFamily="18" charset="0"/>
+                <a:cs typeface="Times New Roman" panose="02020603050405020304" pitchFamily="18" charset="0"/>
+              </a:rPr>
+              <a:t>'[</a:t>
+            </a:r>
+            <a:r>
+              <a:rPr lang="en-US" sz="1400" b="1" dirty="0" err="1">
+                <a:latin typeface="Times New Roman" panose="02020603050405020304" pitchFamily="18" charset="0"/>
+                <a:cs typeface="Times New Roman" panose="02020603050405020304" pitchFamily="18" charset="0"/>
+              </a:rPr>
+              <a:t>customer_age</a:t>
+            </a:r>
+            <a:r>
+              <a:rPr lang="en-US" sz="1400" b="1" dirty="0">
+                <a:latin typeface="Times New Roman" panose="02020603050405020304" pitchFamily="18" charset="0"/>
+                <a:cs typeface="Times New Roman" panose="02020603050405020304" pitchFamily="18" charset="0"/>
+              </a:rPr>
+              <a:t>] &gt;= 50 &amp;&amp; 'public </a:t>
+            </a:r>
+            <a:r>
+              <a:rPr lang="en-US" sz="1400" b="1" dirty="0" err="1">
+                <a:latin typeface="Times New Roman" panose="02020603050405020304" pitchFamily="18" charset="0"/>
+                <a:cs typeface="Times New Roman" panose="02020603050405020304" pitchFamily="18" charset="0"/>
+              </a:rPr>
+              <a:t>cust_detail</a:t>
+            </a:r>
+            <a:r>
+              <a:rPr lang="en-US" sz="1400" b="1" dirty="0">
+                <a:latin typeface="Times New Roman" panose="02020603050405020304" pitchFamily="18" charset="0"/>
+                <a:cs typeface="Times New Roman" panose="02020603050405020304" pitchFamily="18" charset="0"/>
+              </a:rPr>
+              <a:t>'[</a:t>
+            </a:r>
+            <a:r>
+              <a:rPr lang="en-US" sz="1400" b="1" dirty="0" err="1">
+                <a:latin typeface="Times New Roman" panose="02020603050405020304" pitchFamily="18" charset="0"/>
+                <a:cs typeface="Times New Roman" panose="02020603050405020304" pitchFamily="18" charset="0"/>
+              </a:rPr>
+              <a:t>customer_age</a:t>
+            </a:r>
+            <a:r>
+              <a:rPr lang="en-US" sz="1400" b="1" dirty="0">
+                <a:latin typeface="Times New Roman" panose="02020603050405020304" pitchFamily="18" charset="0"/>
+                <a:cs typeface="Times New Roman" panose="02020603050405020304" pitchFamily="18" charset="0"/>
+              </a:rPr>
+              <a:t>] &lt; 60, "50-60",</a:t>
             </a:r>
           </a:p>
           <a:p>
@@ -4924,25 +4628,39 @@
               <a:buNone/>
             </a:pPr>
             <a:r>
-              <a:rPr lang="en-US" sz="1600" b="1" dirty="0">
-                <a:latin typeface="Times New Roman" panose="02020603050405020304" pitchFamily="18" charset="0"/>
-                <a:cs typeface="Times New Roman" panose="02020603050405020304" pitchFamily="18" charset="0"/>
-              </a:rPr>
-              <a:t> SUM('public </a:t>
-            </a:r>
-            <a:r>
-              <a:rPr lang="en-US" sz="1600" b="1" dirty="0" err="1">
-                <a:latin typeface="Times New Roman" panose="02020603050405020304" pitchFamily="18" charset="0"/>
-                <a:cs typeface="Times New Roman" panose="02020603050405020304" pitchFamily="18" charset="0"/>
-              </a:rPr>
-              <a:t>cc_detail</a:t>
-            </a:r>
-            <a:r>
-              <a:rPr lang="en-US" sz="1600" b="1" dirty="0">
-                <a:latin typeface="Times New Roman" panose="02020603050405020304" pitchFamily="18" charset="0"/>
-                <a:cs typeface="Times New Roman" panose="02020603050405020304" pitchFamily="18" charset="0"/>
-              </a:rPr>
-              <a:t>'[Revenue]),</a:t>
+              <a:rPr lang="en-US" sz="1400" b="1" dirty="0">
+                <a:latin typeface="Times New Roman" panose="02020603050405020304" pitchFamily="18" charset="0"/>
+                <a:cs typeface="Times New Roman" panose="02020603050405020304" pitchFamily="18" charset="0"/>
+              </a:rPr>
+              <a:t> 'public </a:t>
+            </a:r>
+            <a:r>
+              <a:rPr lang="en-US" sz="1400" b="1" dirty="0" err="1">
+                <a:latin typeface="Times New Roman" panose="02020603050405020304" pitchFamily="18" charset="0"/>
+                <a:cs typeface="Times New Roman" panose="02020603050405020304" pitchFamily="18" charset="0"/>
+              </a:rPr>
+              <a:t>cust_detail</a:t>
+            </a:r>
+            <a:r>
+              <a:rPr lang="en-US" sz="1400" b="1" dirty="0">
+                <a:latin typeface="Times New Roman" panose="02020603050405020304" pitchFamily="18" charset="0"/>
+                <a:cs typeface="Times New Roman" panose="02020603050405020304" pitchFamily="18" charset="0"/>
+              </a:rPr>
+              <a:t>'[</a:t>
+            </a:r>
+            <a:r>
+              <a:rPr lang="en-US" sz="1400" b="1" dirty="0" err="1">
+                <a:latin typeface="Times New Roman" panose="02020603050405020304" pitchFamily="18" charset="0"/>
+                <a:cs typeface="Times New Roman" panose="02020603050405020304" pitchFamily="18" charset="0"/>
+              </a:rPr>
+              <a:t>customer_age</a:t>
+            </a:r>
+            <a:r>
+              <a:rPr lang="en-US" sz="1400" b="1" dirty="0">
+                <a:latin typeface="Times New Roman" panose="02020603050405020304" pitchFamily="18" charset="0"/>
+                <a:cs typeface="Times New Roman" panose="02020603050405020304" pitchFamily="18" charset="0"/>
+              </a:rPr>
+              <a:t>] &gt;= 60, "60+",</a:t>
             </a:r>
           </a:p>
           <a:p>
@@ -4950,11 +4668,11 @@
               <a:buNone/>
             </a:pPr>
             <a:r>
-              <a:rPr lang="en-US" sz="1600" b="1" dirty="0">
-                <a:latin typeface="Times New Roman" panose="02020603050405020304" pitchFamily="18" charset="0"/>
-                <a:cs typeface="Times New Roman" panose="02020603050405020304" pitchFamily="18" charset="0"/>
-              </a:rPr>
-              <a:t> FILTER(</a:t>
+              <a:rPr lang="en-US" sz="1400" b="1" dirty="0">
+                <a:latin typeface="Times New Roman" panose="02020603050405020304" pitchFamily="18" charset="0"/>
+                <a:cs typeface="Times New Roman" panose="02020603050405020304" pitchFamily="18" charset="0"/>
+              </a:rPr>
+              <a:t>"unknown"</a:t>
             </a:r>
           </a:p>
           <a:p>
@@ -4962,25 +4680,25 @@
               <a:buNone/>
             </a:pPr>
             <a:r>
-              <a:rPr lang="en-US" sz="1600" b="1" dirty="0">
-                <a:latin typeface="Times New Roman" panose="02020603050405020304" pitchFamily="18" charset="0"/>
-                <a:cs typeface="Times New Roman" panose="02020603050405020304" pitchFamily="18" charset="0"/>
-              </a:rPr>
-              <a:t>ALL('public </a:t>
-            </a:r>
-            <a:r>
-              <a:rPr lang="en-US" sz="1600" b="1" dirty="0" err="1">
-                <a:latin typeface="Times New Roman" panose="02020603050405020304" pitchFamily="18" charset="0"/>
-                <a:cs typeface="Times New Roman" panose="02020603050405020304" pitchFamily="18" charset="0"/>
-              </a:rPr>
-              <a:t>cc_detail</a:t>
-            </a:r>
-            <a:r>
-              <a:rPr lang="en-US" sz="1600" b="1" dirty="0">
-                <a:latin typeface="Times New Roman" panose="02020603050405020304" pitchFamily="18" charset="0"/>
-                <a:cs typeface="Times New Roman" panose="02020603050405020304" pitchFamily="18" charset="0"/>
-              </a:rPr>
-              <a:t>'),</a:t>
+              <a:rPr lang="en-US" sz="1400" b="1" dirty="0">
+                <a:latin typeface="Times New Roman" panose="02020603050405020304" pitchFamily="18" charset="0"/>
+                <a:cs typeface="Times New Roman" panose="02020603050405020304" pitchFamily="18" charset="0"/>
+              </a:rPr>
+              <a:t> )</a:t>
+            </a:r>
+            <a:r>
+              <a:rPr lang="en-US" sz="1400" b="1" dirty="0" err="1">
+                <a:latin typeface="Times New Roman" panose="02020603050405020304" pitchFamily="18" charset="0"/>
+                <a:cs typeface="Times New Roman" panose="02020603050405020304" pitchFamily="18" charset="0"/>
+              </a:rPr>
+              <a:t>IncomeGroup</a:t>
+            </a:r>
+            <a:r>
+              <a:rPr lang="en-US" sz="1400" b="1" dirty="0">
+                <a:latin typeface="Times New Roman" panose="02020603050405020304" pitchFamily="18" charset="0"/>
+                <a:cs typeface="Times New Roman" panose="02020603050405020304" pitchFamily="18" charset="0"/>
+              </a:rPr>
+              <a:t> = SWITCH(</a:t>
             </a:r>
           </a:p>
           <a:p>
@@ -4988,39 +4706,77 @@
               <a:buNone/>
             </a:pPr>
             <a:r>
-              <a:rPr lang="en-US" sz="1600" b="1" dirty="0">
+              <a:rPr lang="en-US" sz="1400" b="1" dirty="0">
+                <a:latin typeface="Times New Roman" panose="02020603050405020304" pitchFamily="18" charset="0"/>
+                <a:cs typeface="Times New Roman" panose="02020603050405020304" pitchFamily="18" charset="0"/>
+              </a:rPr>
+              <a:t>TRUE(),</a:t>
+            </a:r>
+          </a:p>
+          <a:p>
+            <a:pPr marL="0" indent="0">
+              <a:buNone/>
+            </a:pPr>
+            <a:r>
+              <a:rPr lang="en-US" sz="1400" b="1" dirty="0">
+                <a:latin typeface="Times New Roman" panose="02020603050405020304" pitchFamily="18" charset="0"/>
+                <a:cs typeface="Times New Roman" panose="02020603050405020304" pitchFamily="18" charset="0"/>
+              </a:rPr>
+              <a:t>public </a:t>
+            </a:r>
+            <a:r>
+              <a:rPr lang="en-US" sz="1400" b="1" dirty="0" err="1">
+                <a:latin typeface="Times New Roman" panose="02020603050405020304" pitchFamily="18" charset="0"/>
+                <a:cs typeface="Times New Roman" panose="02020603050405020304" pitchFamily="18" charset="0"/>
+              </a:rPr>
+              <a:t>cust_detail</a:t>
+            </a:r>
+            <a:r>
+              <a:rPr lang="en-US" sz="1400" b="1" dirty="0">
+                <a:latin typeface="Times New Roman" panose="02020603050405020304" pitchFamily="18" charset="0"/>
+                <a:cs typeface="Times New Roman" panose="02020603050405020304" pitchFamily="18" charset="0"/>
+              </a:rPr>
+              <a:t>'[income] &lt; 35000, "Low",</a:t>
+            </a:r>
+          </a:p>
+          <a:p>
+            <a:pPr marL="0" indent="0">
+              <a:buNone/>
+            </a:pPr>
+            <a:r>
+              <a:rPr lang="en-US" sz="1400" b="1" dirty="0">
                 <a:latin typeface="Times New Roman" panose="02020603050405020304" pitchFamily="18" charset="0"/>
                 <a:cs typeface="Times New Roman" panose="02020603050405020304" pitchFamily="18" charset="0"/>
               </a:rPr>
               <a:t> 'public </a:t>
             </a:r>
             <a:r>
-              <a:rPr lang="en-US" sz="1600" b="1" dirty="0" err="1">
-                <a:latin typeface="Times New Roman" panose="02020603050405020304" pitchFamily="18" charset="0"/>
-                <a:cs typeface="Times New Roman" panose="02020603050405020304" pitchFamily="18" charset="0"/>
-              </a:rPr>
-              <a:t>cc_detail</a:t>
-            </a:r>
-            <a:r>
-              <a:rPr lang="en-US" sz="1600" b="1" dirty="0">
-                <a:latin typeface="Times New Roman" panose="02020603050405020304" pitchFamily="18" charset="0"/>
-                <a:cs typeface="Times New Roman" panose="02020603050405020304" pitchFamily="18" charset="0"/>
-              </a:rPr>
-              <a:t>'[week_num2] = MAX('public </a:t>
-            </a:r>
-            <a:r>
-              <a:rPr lang="en-US" sz="1600" b="1" dirty="0" err="1">
-                <a:latin typeface="Times New Roman" panose="02020603050405020304" pitchFamily="18" charset="0"/>
-                <a:cs typeface="Times New Roman" panose="02020603050405020304" pitchFamily="18" charset="0"/>
-              </a:rPr>
-              <a:t>cc_detail</a:t>
-            </a:r>
-            <a:r>
-              <a:rPr lang="en-US" sz="1600" b="1" dirty="0">
-                <a:latin typeface="Times New Roman" panose="02020603050405020304" pitchFamily="18" charset="0"/>
-                <a:cs typeface="Times New Roman" panose="02020603050405020304" pitchFamily="18" charset="0"/>
-              </a:rPr>
-              <a:t>'[week_num2]))) </a:t>
+              <a:rPr lang="en-US" sz="1400" b="1" dirty="0" err="1">
+                <a:latin typeface="Times New Roman" panose="02020603050405020304" pitchFamily="18" charset="0"/>
+                <a:cs typeface="Times New Roman" panose="02020603050405020304" pitchFamily="18" charset="0"/>
+              </a:rPr>
+              <a:t>cust_detail</a:t>
+            </a:r>
+            <a:r>
+              <a:rPr lang="en-US" sz="1400" b="1" dirty="0">
+                <a:latin typeface="Times New Roman" panose="02020603050405020304" pitchFamily="18" charset="0"/>
+                <a:cs typeface="Times New Roman" panose="02020603050405020304" pitchFamily="18" charset="0"/>
+              </a:rPr>
+              <a:t>'[income] &gt;= 35000 &amp;&amp; 'public </a:t>
+            </a:r>
+            <a:r>
+              <a:rPr lang="en-US" sz="1400" b="1" dirty="0" err="1">
+                <a:latin typeface="Times New Roman" panose="02020603050405020304" pitchFamily="18" charset="0"/>
+                <a:cs typeface="Times New Roman" panose="02020603050405020304" pitchFamily="18" charset="0"/>
+              </a:rPr>
+              <a:t>cust_detail</a:t>
+            </a:r>
+            <a:r>
+              <a:rPr lang="en-US" sz="1400" b="1" dirty="0">
+                <a:latin typeface="Times New Roman" panose="02020603050405020304" pitchFamily="18" charset="0"/>
+                <a:cs typeface="Times New Roman" panose="02020603050405020304" pitchFamily="18" charset="0"/>
+              </a:rPr>
+              <a:t>'[income] &lt;70000, "Med",</a:t>
             </a:r>
           </a:p>
           <a:p>
@@ -5028,18 +4784,25 @@
               <a:buNone/>
             </a:pPr>
             <a:r>
-              <a:rPr lang="en-US" sz="1600" b="1" dirty="0" err="1">
-                <a:latin typeface="Times New Roman" panose="02020603050405020304" pitchFamily="18" charset="0"/>
-                <a:cs typeface="Times New Roman" panose="02020603050405020304" pitchFamily="18" charset="0"/>
-              </a:rPr>
-              <a:t>Previous_week_Reveneue</a:t>
-            </a:r>
-            <a:r>
-              <a:rPr lang="en-US" sz="1600" b="1" dirty="0">
-                <a:latin typeface="Times New Roman" panose="02020603050405020304" pitchFamily="18" charset="0"/>
-                <a:cs typeface="Times New Roman" panose="02020603050405020304" pitchFamily="18" charset="0"/>
-              </a:rPr>
-              <a:t> = CALCULATE(</a:t>
+              <a:rPr lang="en-US" sz="1400" b="1" dirty="0">
+                <a:latin typeface="Times New Roman" panose="02020603050405020304" pitchFamily="18" charset="0"/>
+                <a:cs typeface="Times New Roman" panose="02020603050405020304" pitchFamily="18" charset="0"/>
+              </a:rPr>
+              <a:t>'public </a:t>
+            </a:r>
+            <a:r>
+              <a:rPr lang="en-US" sz="1400" b="1" dirty="0" err="1">
+                <a:latin typeface="Times New Roman" panose="02020603050405020304" pitchFamily="18" charset="0"/>
+                <a:cs typeface="Times New Roman" panose="02020603050405020304" pitchFamily="18" charset="0"/>
+              </a:rPr>
+              <a:t>cust_detail</a:t>
+            </a:r>
+            <a:r>
+              <a:rPr lang="en-US" sz="1400" b="1" dirty="0">
+                <a:latin typeface="Times New Roman" panose="02020603050405020304" pitchFamily="18" charset="0"/>
+                <a:cs typeface="Times New Roman" panose="02020603050405020304" pitchFamily="18" charset="0"/>
+              </a:rPr>
+              <a:t>'[income] &gt;= 70000, "High",</a:t>
             </a:r>
           </a:p>
           <a:p>
@@ -5047,103 +4810,11 @@
               <a:buNone/>
             </a:pPr>
             <a:r>
-              <a:rPr lang="en-US" sz="1600" b="1" dirty="0">
-                <a:latin typeface="Times New Roman" panose="02020603050405020304" pitchFamily="18" charset="0"/>
-                <a:cs typeface="Times New Roman" panose="02020603050405020304" pitchFamily="18" charset="0"/>
-              </a:rPr>
-              <a:t> SUM('public </a:t>
-            </a:r>
-            <a:r>
-              <a:rPr lang="en-US" sz="1600" b="1" dirty="0" err="1">
-                <a:latin typeface="Times New Roman" panose="02020603050405020304" pitchFamily="18" charset="0"/>
-                <a:cs typeface="Times New Roman" panose="02020603050405020304" pitchFamily="18" charset="0"/>
-              </a:rPr>
-              <a:t>cc_detail</a:t>
-            </a:r>
-            <a:r>
-              <a:rPr lang="en-US" sz="1600" b="1" dirty="0">
-                <a:latin typeface="Times New Roman" panose="02020603050405020304" pitchFamily="18" charset="0"/>
-                <a:cs typeface="Times New Roman" panose="02020603050405020304" pitchFamily="18" charset="0"/>
-              </a:rPr>
-              <a:t>'[Revenue]),</a:t>
-            </a:r>
-          </a:p>
-          <a:p>
-            <a:pPr marL="0" indent="0">
-              <a:buNone/>
-            </a:pPr>
-            <a:r>
-              <a:rPr lang="en-US" sz="1600" b="1" dirty="0">
-                <a:latin typeface="Times New Roman" panose="02020603050405020304" pitchFamily="18" charset="0"/>
-                <a:cs typeface="Times New Roman" panose="02020603050405020304" pitchFamily="18" charset="0"/>
-              </a:rPr>
-              <a:t> FILTER(</a:t>
-            </a:r>
-          </a:p>
-          <a:p>
-            <a:pPr marL="0" indent="0">
-              <a:buNone/>
-            </a:pPr>
-            <a:r>
-              <a:rPr lang="en-US" sz="1600" b="1" dirty="0">
-                <a:latin typeface="Times New Roman" panose="02020603050405020304" pitchFamily="18" charset="0"/>
-                <a:cs typeface="Times New Roman" panose="02020603050405020304" pitchFamily="18" charset="0"/>
-              </a:rPr>
-              <a:t> ALL('public </a:t>
-            </a:r>
-            <a:r>
-              <a:rPr lang="en-US" sz="1600" b="1" dirty="0" err="1">
-                <a:latin typeface="Times New Roman" panose="02020603050405020304" pitchFamily="18" charset="0"/>
-                <a:cs typeface="Times New Roman" panose="02020603050405020304" pitchFamily="18" charset="0"/>
-              </a:rPr>
-              <a:t>cc_detail</a:t>
-            </a:r>
-            <a:r>
-              <a:rPr lang="en-US" sz="1600" b="1" dirty="0">
-                <a:latin typeface="Times New Roman" panose="02020603050405020304" pitchFamily="18" charset="0"/>
-                <a:cs typeface="Times New Roman" panose="02020603050405020304" pitchFamily="18" charset="0"/>
-              </a:rPr>
-              <a:t>'),</a:t>
-            </a:r>
-          </a:p>
-          <a:p>
-            <a:pPr marL="0" indent="0">
-              <a:buNone/>
-            </a:pPr>
-            <a:r>
-              <a:rPr lang="en-US" sz="1600" b="1" dirty="0">
-                <a:latin typeface="Times New Roman" panose="02020603050405020304" pitchFamily="18" charset="0"/>
-                <a:cs typeface="Times New Roman" panose="02020603050405020304" pitchFamily="18" charset="0"/>
-              </a:rPr>
-              <a:t> 'public </a:t>
-            </a:r>
-            <a:r>
-              <a:rPr lang="en-US" sz="1600" b="1" dirty="0" err="1">
-                <a:latin typeface="Times New Roman" panose="02020603050405020304" pitchFamily="18" charset="0"/>
-                <a:cs typeface="Times New Roman" panose="02020603050405020304" pitchFamily="18" charset="0"/>
-              </a:rPr>
-              <a:t>cc_detail</a:t>
-            </a:r>
-            <a:r>
-              <a:rPr lang="en-US" sz="1600" b="1" dirty="0">
-                <a:latin typeface="Times New Roman" panose="02020603050405020304" pitchFamily="18" charset="0"/>
-                <a:cs typeface="Times New Roman" panose="02020603050405020304" pitchFamily="18" charset="0"/>
-              </a:rPr>
-              <a:t>'[week_num2] = MAX('public </a:t>
-            </a:r>
-            <a:r>
-              <a:rPr lang="en-US" sz="1600" b="1" dirty="0" err="1">
-                <a:latin typeface="Times New Roman" panose="02020603050405020304" pitchFamily="18" charset="0"/>
-                <a:cs typeface="Times New Roman" panose="02020603050405020304" pitchFamily="18" charset="0"/>
-              </a:rPr>
-              <a:t>cc_detail</a:t>
-            </a:r>
-            <a:r>
-              <a:rPr lang="en-US" sz="1600" b="1" dirty="0">
-                <a:latin typeface="Times New Roman" panose="02020603050405020304" pitchFamily="18" charset="0"/>
-                <a:cs typeface="Times New Roman" panose="02020603050405020304" pitchFamily="18" charset="0"/>
-              </a:rPr>
-              <a:t>'[week_num2])-1)</a:t>
+              <a:rPr lang="en-US" sz="1400" b="1" dirty="0">
+                <a:latin typeface="Times New Roman" panose="02020603050405020304" pitchFamily="18" charset="0"/>
+                <a:cs typeface="Times New Roman" panose="02020603050405020304" pitchFamily="18" charset="0"/>
+              </a:rPr>
+              <a:t> "unknown“)</a:t>
             </a:r>
           </a:p>
         </p:txBody>
@@ -5151,7 +4822,7 @@
     </p:spTree>
     <p:extLst>
       <p:ext uri="{BB962C8B-B14F-4D97-AF65-F5344CB8AC3E}">
-        <p14:creationId xmlns:p14="http://schemas.microsoft.com/office/powerpoint/2010/main" val="1855636176"/>
+        <p14:creationId xmlns:p14="http://schemas.microsoft.com/office/powerpoint/2010/main" val="1445747618"/>
       </p:ext>
     </p:extLst>
   </p:cSld>
@@ -5217,6 +4888,538 @@
           <p:cNvPr id="2" name="Title 1">
             <a:extLst>
               <a:ext uri="{FF2B5EF4-FFF2-40B4-BE49-F238E27FC236}">
+                <a16:creationId xmlns:a16="http://schemas.microsoft.com/office/drawing/2014/main" id="{3DA6EF66-EB82-7556-17A6-327C0422ADC1}"/>
+              </a:ext>
+            </a:extLst>
+          </p:cNvPr>
+          <p:cNvSpPr>
+            <a:spLocks noGrp="1"/>
+          </p:cNvSpPr>
+          <p:nvPr>
+            <p:ph type="title"/>
+          </p:nvPr>
+        </p:nvSpPr>
+        <p:spPr>
+          <a:xfrm>
+            <a:off x="612648" y="548640"/>
+            <a:ext cx="10653578" cy="724989"/>
+          </a:xfrm>
+        </p:spPr>
+        <p:txBody>
+          <a:bodyPr>
+            <a:normAutofit/>
+          </a:bodyPr>
+          <a:lstStyle/>
+          <a:p>
+            <a:r>
+              <a:rPr lang="en-US" sz="4000" dirty="0">
+                <a:solidFill>
+                  <a:schemeClr val="accent3"/>
+                </a:solidFill>
+                <a:latin typeface="Times New Roman" panose="02020603050405020304" pitchFamily="18" charset="0"/>
+                <a:cs typeface="Times New Roman" panose="02020603050405020304" pitchFamily="18" charset="0"/>
+              </a:rPr>
+              <a:t>DAX Queries</a:t>
+            </a:r>
+            <a:endParaRPr lang="en-US" sz="4000" dirty="0">
+              <a:latin typeface="Times New Roman" panose="02020603050405020304" pitchFamily="18" charset="0"/>
+              <a:cs typeface="Times New Roman" panose="02020603050405020304" pitchFamily="18" charset="0"/>
+            </a:endParaRPr>
+          </a:p>
+        </p:txBody>
+      </p:sp>
+      <p:sp>
+        <p:nvSpPr>
+          <p:cNvPr id="3" name="Content Placeholder 2">
+            <a:extLst>
+              <a:ext uri="{FF2B5EF4-FFF2-40B4-BE49-F238E27FC236}">
+                <a16:creationId xmlns:a16="http://schemas.microsoft.com/office/drawing/2014/main" id="{E44DE19E-AAF5-6E80-B8E4-C41359852117}"/>
+              </a:ext>
+            </a:extLst>
+          </p:cNvPr>
+          <p:cNvSpPr>
+            <a:spLocks noGrp="1"/>
+          </p:cNvSpPr>
+          <p:nvPr>
+            <p:ph idx="1"/>
+          </p:nvPr>
+        </p:nvSpPr>
+        <p:spPr>
+          <a:xfrm>
+            <a:off x="612647" y="1273629"/>
+            <a:ext cx="10653579" cy="5035731"/>
+          </a:xfrm>
+          <a:solidFill>
+            <a:schemeClr val="bg1">
+              <a:lumMod val="95000"/>
+            </a:schemeClr>
+          </a:solidFill>
+        </p:spPr>
+        <p:txBody>
+          <a:bodyPr>
+            <a:noAutofit/>
+          </a:bodyPr>
+          <a:lstStyle/>
+          <a:p>
+            <a:pPr marL="0" indent="0">
+              <a:buNone/>
+            </a:pPr>
+            <a:r>
+              <a:rPr lang="en-US" sz="1600" b="1" dirty="0">
+                <a:latin typeface="Times New Roman" panose="02020603050405020304" pitchFamily="18" charset="0"/>
+                <a:cs typeface="Times New Roman" panose="02020603050405020304" pitchFamily="18" charset="0"/>
+              </a:rPr>
+              <a:t>week_num2 = WEEKNUM('public </a:t>
+            </a:r>
+            <a:r>
+              <a:rPr lang="en-US" sz="1600" b="1" dirty="0" err="1">
+                <a:latin typeface="Times New Roman" panose="02020603050405020304" pitchFamily="18" charset="0"/>
+                <a:cs typeface="Times New Roman" panose="02020603050405020304" pitchFamily="18" charset="0"/>
+              </a:rPr>
+              <a:t>cc_detail</a:t>
+            </a:r>
+            <a:r>
+              <a:rPr lang="en-US" sz="1600" b="1" dirty="0">
+                <a:latin typeface="Times New Roman" panose="02020603050405020304" pitchFamily="18" charset="0"/>
+                <a:cs typeface="Times New Roman" panose="02020603050405020304" pitchFamily="18" charset="0"/>
+              </a:rPr>
+              <a:t>'[</a:t>
+            </a:r>
+            <a:r>
+              <a:rPr lang="en-US" sz="1600" b="1" dirty="0" err="1">
+                <a:latin typeface="Times New Roman" panose="02020603050405020304" pitchFamily="18" charset="0"/>
+                <a:cs typeface="Times New Roman" panose="02020603050405020304" pitchFamily="18" charset="0"/>
+              </a:rPr>
+              <a:t>week_start_date</a:t>
+            </a:r>
+            <a:r>
+              <a:rPr lang="en-US" sz="1600" b="1" dirty="0">
+                <a:latin typeface="Times New Roman" panose="02020603050405020304" pitchFamily="18" charset="0"/>
+                <a:cs typeface="Times New Roman" panose="02020603050405020304" pitchFamily="18" charset="0"/>
+              </a:rPr>
+              <a:t>])</a:t>
+            </a:r>
+          </a:p>
+          <a:p>
+            <a:pPr marL="0" indent="0">
+              <a:buNone/>
+            </a:pPr>
+            <a:r>
+              <a:rPr lang="en-US" sz="1600" b="1" dirty="0">
+                <a:latin typeface="Times New Roman" panose="02020603050405020304" pitchFamily="18" charset="0"/>
+                <a:cs typeface="Times New Roman" panose="02020603050405020304" pitchFamily="18" charset="0"/>
+              </a:rPr>
+              <a:t> Revenue = 'public </a:t>
+            </a:r>
+            <a:r>
+              <a:rPr lang="en-US" sz="1600" b="1" dirty="0" err="1">
+                <a:latin typeface="Times New Roman" panose="02020603050405020304" pitchFamily="18" charset="0"/>
+                <a:cs typeface="Times New Roman" panose="02020603050405020304" pitchFamily="18" charset="0"/>
+              </a:rPr>
+              <a:t>cc_detail</a:t>
+            </a:r>
+            <a:r>
+              <a:rPr lang="en-US" sz="1600" b="1" dirty="0">
+                <a:latin typeface="Times New Roman" panose="02020603050405020304" pitchFamily="18" charset="0"/>
+                <a:cs typeface="Times New Roman" panose="02020603050405020304" pitchFamily="18" charset="0"/>
+              </a:rPr>
+              <a:t>'[</a:t>
+            </a:r>
+            <a:r>
+              <a:rPr lang="en-US" sz="1600" b="1" dirty="0" err="1">
+                <a:latin typeface="Times New Roman" panose="02020603050405020304" pitchFamily="18" charset="0"/>
+                <a:cs typeface="Times New Roman" panose="02020603050405020304" pitchFamily="18" charset="0"/>
+              </a:rPr>
+              <a:t>annual_fees</a:t>
+            </a:r>
+            <a:r>
+              <a:rPr lang="en-US" sz="1600" b="1" dirty="0">
+                <a:latin typeface="Times New Roman" panose="02020603050405020304" pitchFamily="18" charset="0"/>
+                <a:cs typeface="Times New Roman" panose="02020603050405020304" pitchFamily="18" charset="0"/>
+              </a:rPr>
+              <a:t>] + 'public </a:t>
+            </a:r>
+            <a:r>
+              <a:rPr lang="en-US" sz="1600" b="1" dirty="0" err="1">
+                <a:latin typeface="Times New Roman" panose="02020603050405020304" pitchFamily="18" charset="0"/>
+                <a:cs typeface="Times New Roman" panose="02020603050405020304" pitchFamily="18" charset="0"/>
+              </a:rPr>
+              <a:t>cc_detail</a:t>
+            </a:r>
+            <a:r>
+              <a:rPr lang="en-US" sz="1600" b="1" dirty="0">
+                <a:latin typeface="Times New Roman" panose="02020603050405020304" pitchFamily="18" charset="0"/>
+                <a:cs typeface="Times New Roman" panose="02020603050405020304" pitchFamily="18" charset="0"/>
+              </a:rPr>
+              <a:t>'[</a:t>
+            </a:r>
+            <a:r>
+              <a:rPr lang="en-US" sz="1600" b="1" dirty="0" err="1">
+                <a:latin typeface="Times New Roman" panose="02020603050405020304" pitchFamily="18" charset="0"/>
+                <a:cs typeface="Times New Roman" panose="02020603050405020304" pitchFamily="18" charset="0"/>
+              </a:rPr>
+              <a:t>total_trans_amt</a:t>
+            </a:r>
+            <a:r>
+              <a:rPr lang="en-US" sz="1600" b="1" dirty="0">
+                <a:latin typeface="Times New Roman" panose="02020603050405020304" pitchFamily="18" charset="0"/>
+                <a:cs typeface="Times New Roman" panose="02020603050405020304" pitchFamily="18" charset="0"/>
+              </a:rPr>
+              <a:t>] + 'public </a:t>
+            </a:r>
+            <a:r>
+              <a:rPr lang="en-US" sz="1600" b="1" dirty="0" err="1">
+                <a:latin typeface="Times New Roman" panose="02020603050405020304" pitchFamily="18" charset="0"/>
+                <a:cs typeface="Times New Roman" panose="02020603050405020304" pitchFamily="18" charset="0"/>
+              </a:rPr>
+              <a:t>cc_detail</a:t>
+            </a:r>
+            <a:r>
+              <a:rPr lang="en-US" sz="1600" b="1" dirty="0">
+                <a:latin typeface="Times New Roman" panose="02020603050405020304" pitchFamily="18" charset="0"/>
+                <a:cs typeface="Times New Roman" panose="02020603050405020304" pitchFamily="18" charset="0"/>
+              </a:rPr>
+              <a:t>'[</a:t>
+            </a:r>
+            <a:r>
+              <a:rPr lang="en-US" sz="1600" b="1" dirty="0" err="1">
+                <a:latin typeface="Times New Roman" panose="02020603050405020304" pitchFamily="18" charset="0"/>
+                <a:cs typeface="Times New Roman" panose="02020603050405020304" pitchFamily="18" charset="0"/>
+              </a:rPr>
+              <a:t>interest_earned</a:t>
+            </a:r>
+            <a:r>
+              <a:rPr lang="en-US" sz="1600" b="1" dirty="0">
+                <a:latin typeface="Times New Roman" panose="02020603050405020304" pitchFamily="18" charset="0"/>
+                <a:cs typeface="Times New Roman" panose="02020603050405020304" pitchFamily="18" charset="0"/>
+              </a:rPr>
+              <a:t>]</a:t>
+            </a:r>
+          </a:p>
+          <a:p>
+            <a:pPr marL="0" indent="0">
+              <a:buNone/>
+            </a:pPr>
+            <a:r>
+              <a:rPr lang="en-US" sz="1600" b="1" dirty="0">
+                <a:latin typeface="Times New Roman" panose="02020603050405020304" pitchFamily="18" charset="0"/>
+                <a:cs typeface="Times New Roman" panose="02020603050405020304" pitchFamily="18" charset="0"/>
+              </a:rPr>
+              <a:t> </a:t>
+            </a:r>
+            <a:r>
+              <a:rPr lang="en-US" sz="1600" b="1" dirty="0" err="1">
+                <a:latin typeface="Times New Roman" panose="02020603050405020304" pitchFamily="18" charset="0"/>
+                <a:cs typeface="Times New Roman" panose="02020603050405020304" pitchFamily="18" charset="0"/>
+              </a:rPr>
+              <a:t>Current_week_Reveneue</a:t>
+            </a:r>
+            <a:r>
+              <a:rPr lang="en-US" sz="1600" b="1" dirty="0">
+                <a:latin typeface="Times New Roman" panose="02020603050405020304" pitchFamily="18" charset="0"/>
+                <a:cs typeface="Times New Roman" panose="02020603050405020304" pitchFamily="18" charset="0"/>
+              </a:rPr>
+              <a:t> = CALCULATE(</a:t>
+            </a:r>
+          </a:p>
+          <a:p>
+            <a:pPr marL="0" indent="0">
+              <a:buNone/>
+            </a:pPr>
+            <a:r>
+              <a:rPr lang="en-US" sz="1600" b="1" dirty="0">
+                <a:latin typeface="Times New Roman" panose="02020603050405020304" pitchFamily="18" charset="0"/>
+                <a:cs typeface="Times New Roman" panose="02020603050405020304" pitchFamily="18" charset="0"/>
+              </a:rPr>
+              <a:t> SUM('public </a:t>
+            </a:r>
+            <a:r>
+              <a:rPr lang="en-US" sz="1600" b="1" dirty="0" err="1">
+                <a:latin typeface="Times New Roman" panose="02020603050405020304" pitchFamily="18" charset="0"/>
+                <a:cs typeface="Times New Roman" panose="02020603050405020304" pitchFamily="18" charset="0"/>
+              </a:rPr>
+              <a:t>cc_detail</a:t>
+            </a:r>
+            <a:r>
+              <a:rPr lang="en-US" sz="1600" b="1" dirty="0">
+                <a:latin typeface="Times New Roman" panose="02020603050405020304" pitchFamily="18" charset="0"/>
+                <a:cs typeface="Times New Roman" panose="02020603050405020304" pitchFamily="18" charset="0"/>
+              </a:rPr>
+              <a:t>'[Revenue]),</a:t>
+            </a:r>
+          </a:p>
+          <a:p>
+            <a:pPr marL="0" indent="0">
+              <a:buNone/>
+            </a:pPr>
+            <a:r>
+              <a:rPr lang="en-US" sz="1600" b="1" dirty="0">
+                <a:latin typeface="Times New Roman" panose="02020603050405020304" pitchFamily="18" charset="0"/>
+                <a:cs typeface="Times New Roman" panose="02020603050405020304" pitchFamily="18" charset="0"/>
+              </a:rPr>
+              <a:t> FILTER(</a:t>
+            </a:r>
+          </a:p>
+          <a:p>
+            <a:pPr marL="0" indent="0">
+              <a:buNone/>
+            </a:pPr>
+            <a:r>
+              <a:rPr lang="en-US" sz="1600" b="1" dirty="0">
+                <a:latin typeface="Times New Roman" panose="02020603050405020304" pitchFamily="18" charset="0"/>
+                <a:cs typeface="Times New Roman" panose="02020603050405020304" pitchFamily="18" charset="0"/>
+              </a:rPr>
+              <a:t>ALL('public </a:t>
+            </a:r>
+            <a:r>
+              <a:rPr lang="en-US" sz="1600" b="1" dirty="0" err="1">
+                <a:latin typeface="Times New Roman" panose="02020603050405020304" pitchFamily="18" charset="0"/>
+                <a:cs typeface="Times New Roman" panose="02020603050405020304" pitchFamily="18" charset="0"/>
+              </a:rPr>
+              <a:t>cc_detail</a:t>
+            </a:r>
+            <a:r>
+              <a:rPr lang="en-US" sz="1600" b="1" dirty="0">
+                <a:latin typeface="Times New Roman" panose="02020603050405020304" pitchFamily="18" charset="0"/>
+                <a:cs typeface="Times New Roman" panose="02020603050405020304" pitchFamily="18" charset="0"/>
+              </a:rPr>
+              <a:t>'),</a:t>
+            </a:r>
+          </a:p>
+          <a:p>
+            <a:pPr marL="0" indent="0">
+              <a:buNone/>
+            </a:pPr>
+            <a:r>
+              <a:rPr lang="en-US" sz="1600" b="1" dirty="0">
+                <a:latin typeface="Times New Roman" panose="02020603050405020304" pitchFamily="18" charset="0"/>
+                <a:cs typeface="Times New Roman" panose="02020603050405020304" pitchFamily="18" charset="0"/>
+              </a:rPr>
+              <a:t> 'public </a:t>
+            </a:r>
+            <a:r>
+              <a:rPr lang="en-US" sz="1600" b="1" dirty="0" err="1">
+                <a:latin typeface="Times New Roman" panose="02020603050405020304" pitchFamily="18" charset="0"/>
+                <a:cs typeface="Times New Roman" panose="02020603050405020304" pitchFamily="18" charset="0"/>
+              </a:rPr>
+              <a:t>cc_detail</a:t>
+            </a:r>
+            <a:r>
+              <a:rPr lang="en-US" sz="1600" b="1" dirty="0">
+                <a:latin typeface="Times New Roman" panose="02020603050405020304" pitchFamily="18" charset="0"/>
+                <a:cs typeface="Times New Roman" panose="02020603050405020304" pitchFamily="18" charset="0"/>
+              </a:rPr>
+              <a:t>'[week_num2] = MAX('public </a:t>
+            </a:r>
+            <a:r>
+              <a:rPr lang="en-US" sz="1600" b="1" dirty="0" err="1">
+                <a:latin typeface="Times New Roman" panose="02020603050405020304" pitchFamily="18" charset="0"/>
+                <a:cs typeface="Times New Roman" panose="02020603050405020304" pitchFamily="18" charset="0"/>
+              </a:rPr>
+              <a:t>cc_detail</a:t>
+            </a:r>
+            <a:r>
+              <a:rPr lang="en-US" sz="1600" b="1" dirty="0">
+                <a:latin typeface="Times New Roman" panose="02020603050405020304" pitchFamily="18" charset="0"/>
+                <a:cs typeface="Times New Roman" panose="02020603050405020304" pitchFamily="18" charset="0"/>
+              </a:rPr>
+              <a:t>'[week_num2]))) </a:t>
+            </a:r>
+          </a:p>
+          <a:p>
+            <a:pPr marL="0" indent="0">
+              <a:buNone/>
+            </a:pPr>
+            <a:r>
+              <a:rPr lang="en-US" sz="1600" b="1" dirty="0" err="1">
+                <a:latin typeface="Times New Roman" panose="02020603050405020304" pitchFamily="18" charset="0"/>
+                <a:cs typeface="Times New Roman" panose="02020603050405020304" pitchFamily="18" charset="0"/>
+              </a:rPr>
+              <a:t>Previous_week_Reveneue</a:t>
+            </a:r>
+            <a:r>
+              <a:rPr lang="en-US" sz="1600" b="1" dirty="0">
+                <a:latin typeface="Times New Roman" panose="02020603050405020304" pitchFamily="18" charset="0"/>
+                <a:cs typeface="Times New Roman" panose="02020603050405020304" pitchFamily="18" charset="0"/>
+              </a:rPr>
+              <a:t> = CALCULATE(</a:t>
+            </a:r>
+          </a:p>
+          <a:p>
+            <a:pPr marL="0" indent="0">
+              <a:buNone/>
+            </a:pPr>
+            <a:r>
+              <a:rPr lang="en-US" sz="1600" b="1" dirty="0">
+                <a:latin typeface="Times New Roman" panose="02020603050405020304" pitchFamily="18" charset="0"/>
+                <a:cs typeface="Times New Roman" panose="02020603050405020304" pitchFamily="18" charset="0"/>
+              </a:rPr>
+              <a:t> SUM('public </a:t>
+            </a:r>
+            <a:r>
+              <a:rPr lang="en-US" sz="1600" b="1" dirty="0" err="1">
+                <a:latin typeface="Times New Roman" panose="02020603050405020304" pitchFamily="18" charset="0"/>
+                <a:cs typeface="Times New Roman" panose="02020603050405020304" pitchFamily="18" charset="0"/>
+              </a:rPr>
+              <a:t>cc_detail</a:t>
+            </a:r>
+            <a:r>
+              <a:rPr lang="en-US" sz="1600" b="1" dirty="0">
+                <a:latin typeface="Times New Roman" panose="02020603050405020304" pitchFamily="18" charset="0"/>
+                <a:cs typeface="Times New Roman" panose="02020603050405020304" pitchFamily="18" charset="0"/>
+              </a:rPr>
+              <a:t>'[Revenue]),</a:t>
+            </a:r>
+          </a:p>
+          <a:p>
+            <a:pPr marL="0" indent="0">
+              <a:buNone/>
+            </a:pPr>
+            <a:r>
+              <a:rPr lang="en-US" sz="1600" b="1" dirty="0">
+                <a:latin typeface="Times New Roman" panose="02020603050405020304" pitchFamily="18" charset="0"/>
+                <a:cs typeface="Times New Roman" panose="02020603050405020304" pitchFamily="18" charset="0"/>
+              </a:rPr>
+              <a:t> FILTER(</a:t>
+            </a:r>
+          </a:p>
+          <a:p>
+            <a:pPr marL="0" indent="0">
+              <a:buNone/>
+            </a:pPr>
+            <a:r>
+              <a:rPr lang="en-US" sz="1600" b="1" dirty="0">
+                <a:latin typeface="Times New Roman" panose="02020603050405020304" pitchFamily="18" charset="0"/>
+                <a:cs typeface="Times New Roman" panose="02020603050405020304" pitchFamily="18" charset="0"/>
+              </a:rPr>
+              <a:t> ALL('public </a:t>
+            </a:r>
+            <a:r>
+              <a:rPr lang="en-US" sz="1600" b="1" dirty="0" err="1">
+                <a:latin typeface="Times New Roman" panose="02020603050405020304" pitchFamily="18" charset="0"/>
+                <a:cs typeface="Times New Roman" panose="02020603050405020304" pitchFamily="18" charset="0"/>
+              </a:rPr>
+              <a:t>cc_detail</a:t>
+            </a:r>
+            <a:r>
+              <a:rPr lang="en-US" sz="1600" b="1" dirty="0">
+                <a:latin typeface="Times New Roman" panose="02020603050405020304" pitchFamily="18" charset="0"/>
+                <a:cs typeface="Times New Roman" panose="02020603050405020304" pitchFamily="18" charset="0"/>
+              </a:rPr>
+              <a:t>'),</a:t>
+            </a:r>
+          </a:p>
+          <a:p>
+            <a:pPr marL="0" indent="0">
+              <a:buNone/>
+            </a:pPr>
+            <a:r>
+              <a:rPr lang="en-US" sz="1600" b="1" dirty="0">
+                <a:latin typeface="Times New Roman" panose="02020603050405020304" pitchFamily="18" charset="0"/>
+                <a:cs typeface="Times New Roman" panose="02020603050405020304" pitchFamily="18" charset="0"/>
+              </a:rPr>
+              <a:t> 'public </a:t>
+            </a:r>
+            <a:r>
+              <a:rPr lang="en-US" sz="1600" b="1" dirty="0" err="1">
+                <a:latin typeface="Times New Roman" panose="02020603050405020304" pitchFamily="18" charset="0"/>
+                <a:cs typeface="Times New Roman" panose="02020603050405020304" pitchFamily="18" charset="0"/>
+              </a:rPr>
+              <a:t>cc_detail</a:t>
+            </a:r>
+            <a:r>
+              <a:rPr lang="en-US" sz="1600" b="1" dirty="0">
+                <a:latin typeface="Times New Roman" panose="02020603050405020304" pitchFamily="18" charset="0"/>
+                <a:cs typeface="Times New Roman" panose="02020603050405020304" pitchFamily="18" charset="0"/>
+              </a:rPr>
+              <a:t>'[week_num2] = MAX('public </a:t>
+            </a:r>
+            <a:r>
+              <a:rPr lang="en-US" sz="1600" b="1" dirty="0" err="1">
+                <a:latin typeface="Times New Roman" panose="02020603050405020304" pitchFamily="18" charset="0"/>
+                <a:cs typeface="Times New Roman" panose="02020603050405020304" pitchFamily="18" charset="0"/>
+              </a:rPr>
+              <a:t>cc_detail</a:t>
+            </a:r>
+            <a:r>
+              <a:rPr lang="en-US" sz="1600" b="1" dirty="0">
+                <a:latin typeface="Times New Roman" panose="02020603050405020304" pitchFamily="18" charset="0"/>
+                <a:cs typeface="Times New Roman" panose="02020603050405020304" pitchFamily="18" charset="0"/>
+              </a:rPr>
+              <a:t>'[week_num2])-1)</a:t>
+            </a:r>
+          </a:p>
+        </p:txBody>
+      </p:sp>
+    </p:spTree>
+    <p:extLst>
+      <p:ext uri="{BB962C8B-B14F-4D97-AF65-F5344CB8AC3E}">
+        <p14:creationId xmlns:p14="http://schemas.microsoft.com/office/powerpoint/2010/main" val="1855636176"/>
+      </p:ext>
+    </p:extLst>
+  </p:cSld>
+  <p:clrMapOvr>
+    <a:masterClrMapping/>
+  </p:clrMapOvr>
+</p:sld>
+</file>
+
+<file path=ppt/slides/slide7.xml><?xml version="1.0" encoding="utf-8"?>
+<p:sld xmlns:a="http://schemas.openxmlformats.org/drawingml/2006/main" xmlns:r="http://schemas.openxmlformats.org/officeDocument/2006/relationships" xmlns:p="http://schemas.openxmlformats.org/presentationml/2006/main">
+  <p:cSld>
+    <p:bg>
+      <p:bgPr>
+        <a:gradFill>
+          <a:gsLst>
+            <a:gs pos="0">
+              <a:schemeClr val="accent1">
+                <a:lumMod val="5000"/>
+                <a:lumOff val="95000"/>
+              </a:schemeClr>
+            </a:gs>
+            <a:gs pos="74000">
+              <a:schemeClr val="accent1">
+                <a:lumMod val="45000"/>
+                <a:lumOff val="55000"/>
+              </a:schemeClr>
+            </a:gs>
+            <a:gs pos="83000">
+              <a:schemeClr val="accent1">
+                <a:lumMod val="45000"/>
+                <a:lumOff val="55000"/>
+              </a:schemeClr>
+            </a:gs>
+            <a:gs pos="100000">
+              <a:schemeClr val="accent1">
+                <a:lumMod val="30000"/>
+                <a:lumOff val="70000"/>
+              </a:schemeClr>
+            </a:gs>
+          </a:gsLst>
+          <a:lin ang="5400000" scaled="1"/>
+        </a:gradFill>
+        <a:effectLst/>
+      </p:bgPr>
+    </p:bg>
+    <p:spTree>
+      <p:nvGrpSpPr>
+        <p:cNvPr id="1" name=""/>
+        <p:cNvGrpSpPr/>
+        <p:nvPr/>
+      </p:nvGrpSpPr>
+      <p:grpSpPr>
+        <a:xfrm>
+          <a:off x="0" y="0"/>
+          <a:ext cx="0" cy="0"/>
+          <a:chOff x="0" y="0"/>
+          <a:chExt cx="0" cy="0"/>
+        </a:xfrm>
+      </p:grpSpPr>
+      <p:sp>
+        <p:nvSpPr>
+          <p:cNvPr id="2" name="Title 1">
+            <a:extLst>
+              <a:ext uri="{FF2B5EF4-FFF2-40B4-BE49-F238E27FC236}">
                 <a16:creationId xmlns:a16="http://schemas.microsoft.com/office/drawing/2014/main" id="{FEE5E4A3-56A6-D8DF-C28A-050D00679C1A}"/>
               </a:ext>
             </a:extLst>
@@ -5321,19 +5524,8 @@
                 <a:latin typeface="Times New Roman" panose="02020603050405020304" pitchFamily="18" charset="0"/>
                 <a:cs typeface="Times New Roman" panose="02020603050405020304" pitchFamily="18" charset="0"/>
               </a:rPr>
-              <a:t> Customer count increased </a:t>
-            </a:r>
-            <a:r>
-              <a:rPr lang="en-GB" sz="1600">
-                <a:latin typeface="Times New Roman" panose="02020603050405020304" pitchFamily="18" charset="0"/>
-                <a:cs typeface="Times New Roman" panose="02020603050405020304" pitchFamily="18" charset="0"/>
-              </a:rPr>
-              <a:t>by 1.81%</a:t>
-            </a:r>
-            <a:endParaRPr lang="en-GB" sz="1600" dirty="0">
-              <a:latin typeface="Times New Roman" panose="02020603050405020304" pitchFamily="18" charset="0"/>
-              <a:cs typeface="Times New Roman" panose="02020603050405020304" pitchFamily="18" charset="0"/>
-            </a:endParaRPr>
+              <a:t> Customer count increased by 1.81%</a:t>
+            </a:r>
           </a:p>
           <a:p>
             <a:pPr marL="0" indent="0">
